--- a/MiCM_BayesianInference_S24.pptx
+++ b/MiCM_BayesianInference_S24.pptx
@@ -5,52 +5,53 @@
     <p:sldMasterId id="2147483660" r:id="rId1"/>
   </p:sldMasterIdLst>
   <p:notesMasterIdLst>
-    <p:notesMasterId r:id="rId45"/>
+    <p:notesMasterId r:id="rId46"/>
   </p:notesMasterIdLst>
   <p:sldIdLst>
-    <p:sldId id="316" r:id="rId2"/>
-    <p:sldId id="321" r:id="rId3"/>
-    <p:sldId id="396" r:id="rId4"/>
-    <p:sldId id="460" r:id="rId5"/>
-    <p:sldId id="319" r:id="rId6"/>
-    <p:sldId id="397" r:id="rId7"/>
-    <p:sldId id="399" r:id="rId8"/>
-    <p:sldId id="450" r:id="rId9"/>
-    <p:sldId id="400" r:id="rId10"/>
-    <p:sldId id="411" r:id="rId11"/>
-    <p:sldId id="413" r:id="rId12"/>
-    <p:sldId id="424" r:id="rId13"/>
-    <p:sldId id="462" r:id="rId14"/>
-    <p:sldId id="425" r:id="rId15"/>
-    <p:sldId id="452" r:id="rId16"/>
-    <p:sldId id="401" r:id="rId17"/>
-    <p:sldId id="412" r:id="rId18"/>
-    <p:sldId id="403" r:id="rId19"/>
-    <p:sldId id="426" r:id="rId20"/>
-    <p:sldId id="453" r:id="rId21"/>
-    <p:sldId id="418" r:id="rId22"/>
-    <p:sldId id="416" r:id="rId23"/>
-    <p:sldId id="417" r:id="rId24"/>
-    <p:sldId id="414" r:id="rId25"/>
-    <p:sldId id="454" r:id="rId26"/>
-    <p:sldId id="459" r:id="rId27"/>
-    <p:sldId id="463" r:id="rId28"/>
-    <p:sldId id="415" r:id="rId29"/>
-    <p:sldId id="446" r:id="rId30"/>
-    <p:sldId id="407" r:id="rId31"/>
-    <p:sldId id="408" r:id="rId32"/>
-    <p:sldId id="422" r:id="rId33"/>
-    <p:sldId id="423" r:id="rId34"/>
-    <p:sldId id="428" r:id="rId35"/>
-    <p:sldId id="464" r:id="rId36"/>
-    <p:sldId id="406" r:id="rId37"/>
-    <p:sldId id="405" r:id="rId38"/>
-    <p:sldId id="419" r:id="rId39"/>
-    <p:sldId id="421" r:id="rId40"/>
-    <p:sldId id="443" r:id="rId41"/>
-    <p:sldId id="442" r:id="rId42"/>
-    <p:sldId id="465" r:id="rId43"/>
-    <p:sldId id="449" r:id="rId44"/>
+    <p:sldId id="470" r:id="rId2"/>
+    <p:sldId id="316" r:id="rId3"/>
+    <p:sldId id="321" r:id="rId4"/>
+    <p:sldId id="396" r:id="rId5"/>
+    <p:sldId id="460" r:id="rId6"/>
+    <p:sldId id="319" r:id="rId7"/>
+    <p:sldId id="397" r:id="rId8"/>
+    <p:sldId id="399" r:id="rId9"/>
+    <p:sldId id="450" r:id="rId10"/>
+    <p:sldId id="400" r:id="rId11"/>
+    <p:sldId id="411" r:id="rId12"/>
+    <p:sldId id="413" r:id="rId13"/>
+    <p:sldId id="424" r:id="rId14"/>
+    <p:sldId id="462" r:id="rId15"/>
+    <p:sldId id="425" r:id="rId16"/>
+    <p:sldId id="452" r:id="rId17"/>
+    <p:sldId id="401" r:id="rId18"/>
+    <p:sldId id="412" r:id="rId19"/>
+    <p:sldId id="403" r:id="rId20"/>
+    <p:sldId id="426" r:id="rId21"/>
+    <p:sldId id="453" r:id="rId22"/>
+    <p:sldId id="418" r:id="rId23"/>
+    <p:sldId id="416" r:id="rId24"/>
+    <p:sldId id="417" r:id="rId25"/>
+    <p:sldId id="414" r:id="rId26"/>
+    <p:sldId id="454" r:id="rId27"/>
+    <p:sldId id="459" r:id="rId28"/>
+    <p:sldId id="463" r:id="rId29"/>
+    <p:sldId id="415" r:id="rId30"/>
+    <p:sldId id="446" r:id="rId31"/>
+    <p:sldId id="407" r:id="rId32"/>
+    <p:sldId id="408" r:id="rId33"/>
+    <p:sldId id="422" r:id="rId34"/>
+    <p:sldId id="423" r:id="rId35"/>
+    <p:sldId id="428" r:id="rId36"/>
+    <p:sldId id="464" r:id="rId37"/>
+    <p:sldId id="406" r:id="rId38"/>
+    <p:sldId id="405" r:id="rId39"/>
+    <p:sldId id="419" r:id="rId40"/>
+    <p:sldId id="421" r:id="rId41"/>
+    <p:sldId id="443" r:id="rId42"/>
+    <p:sldId id="442" r:id="rId43"/>
+    <p:sldId id="465" r:id="rId44"/>
+    <p:sldId id="449" r:id="rId45"/>
   </p:sldIdLst>
   <p:sldSz cx="9144000" cy="6858000" type="screen4x3"/>
   <p:notesSz cx="6858000" cy="9144000"/>
@@ -3029,7 +3030,7 @@
           <a:p>
             <a:fld id="{217E5156-1B5D-054E-B5B2-E1B1BA160252}" type="datetimeFigureOut">
               <a:rPr lang="fr-FR" smtClean="0"/>
-              <a:t>14/08/2024</a:t>
+              <a:t>16/08/2024</a:t>
             </a:fld>
             <a:endParaRPr lang="fr-FR"/>
           </a:p>
@@ -3336,7 +3337,7 @@
           <a:p>
             <a:fld id="{DACBD60B-517C-4242-AE46-E1BD2D086542}" type="slidenum">
               <a:rPr lang="fr-FR" smtClean="0"/>
-              <a:t>5</a:t>
+              <a:t>6</a:t>
             </a:fld>
             <a:endParaRPr lang="fr-FR"/>
           </a:p>
@@ -5644,10 +5645,385 @@
       </p:grpSpPr>
       <p:sp>
         <p:nvSpPr>
-          <p:cNvPr id="4" name="Titre 3">
+          <p:cNvPr id="2" name="Text Placeholder 1">
             <a:extLst>
               <a:ext uri="{FF2B5EF4-FFF2-40B4-BE49-F238E27FC236}">
-                <a16:creationId xmlns:a16="http://schemas.microsoft.com/office/drawing/2014/main" id="{A45C165F-BC2D-0A42-B582-A27AE4DBB9CF}"/>
+                <a16:creationId xmlns:a16="http://schemas.microsoft.com/office/drawing/2014/main" id="{61F76E59-D580-A296-5A62-406F6DCAB852}"/>
+              </a:ext>
+            </a:extLst>
+          </p:cNvPr>
+          <p:cNvSpPr>
+            <a:spLocks noGrp="1"/>
+          </p:cNvSpPr>
+          <p:nvPr>
+            <p:ph type="body" sz="quarter" idx="10"/>
+          </p:nvPr>
+        </p:nvSpPr>
+        <p:spPr>
+          <a:xfrm>
+            <a:off x="80682" y="1454228"/>
+            <a:ext cx="8955742" cy="4924350"/>
+          </a:xfrm>
+        </p:spPr>
+        <p:txBody>
+          <a:bodyPr>
+            <a:normAutofit/>
+          </a:bodyPr>
+          <a:lstStyle/>
+          <a:p>
+            <a:pPr marL="0" indent="0">
+              <a:buNone/>
+            </a:pPr>
+            <a:r>
+              <a:rPr lang="en-CA" sz="3200" b="1" u="sng" dirty="0"/>
+              <a:t>Download Workshop Materials</a:t>
+            </a:r>
+          </a:p>
+          <a:p>
+            <a:pPr marL="457200" indent="-457200">
+              <a:buAutoNum type="arabicPeriod"/>
+            </a:pPr>
+            <a:r>
+              <a:rPr lang="en-CA" sz="2400" b="1" dirty="0"/>
+              <a:t>Go to </a:t>
+            </a:r>
+            <a:r>
+              <a:rPr lang="en-CA" sz="2400" dirty="0">
+                <a:hlinkClick r:id="rId2"/>
+              </a:rPr>
+              <a:t>https://github.com/aosakwe/MiCM_BayesianInference</a:t>
+            </a:r>
+            <a:r>
+              <a:rPr lang="en-CA" sz="2400" dirty="0"/>
+              <a:t> </a:t>
+            </a:r>
+            <a:endParaRPr lang="en-CA" sz="2400" b="1" dirty="0"/>
+          </a:p>
+          <a:p>
+            <a:pPr marL="457200" indent="-457200">
+              <a:buAutoNum type="arabicPeriod"/>
+            </a:pPr>
+            <a:r>
+              <a:rPr lang="en-CA" sz="2400" b="1" dirty="0"/>
+              <a:t> </a:t>
+            </a:r>
+          </a:p>
+          <a:p>
+            <a:pPr marL="457200" indent="-457200">
+              <a:buAutoNum type="arabicPeriod"/>
+            </a:pPr>
+            <a:endParaRPr lang="en-CA" sz="2400" b="1" dirty="0"/>
+          </a:p>
+          <a:p>
+            <a:pPr marL="457200" indent="-457200">
+              <a:buAutoNum type="arabicPeriod"/>
+            </a:pPr>
+            <a:endParaRPr lang="en-CA" sz="2400" b="1" dirty="0"/>
+          </a:p>
+          <a:p>
+            <a:pPr marL="457200" indent="-457200">
+              <a:buAutoNum type="arabicPeriod"/>
+            </a:pPr>
+            <a:endParaRPr lang="en-CA" sz="2400" b="1" dirty="0"/>
+          </a:p>
+          <a:p>
+            <a:pPr marL="457200" indent="-457200">
+              <a:buAutoNum type="arabicPeriod"/>
+            </a:pPr>
+            <a:endParaRPr lang="en-US" sz="2400" b="1" dirty="0"/>
+          </a:p>
+        </p:txBody>
+      </p:sp>
+      <p:pic>
+        <p:nvPicPr>
+          <p:cNvPr id="4" name="Picture 3">
+            <a:extLst>
+              <a:ext uri="{FF2B5EF4-FFF2-40B4-BE49-F238E27FC236}">
+                <a16:creationId xmlns:a16="http://schemas.microsoft.com/office/drawing/2014/main" id="{3A27BC43-468B-8D8C-AF92-D6539092A3DD}"/>
+              </a:ext>
+            </a:extLst>
+          </p:cNvPr>
+          <p:cNvPicPr>
+            <a:picLocks noChangeAspect="1"/>
+          </p:cNvPicPr>
+          <p:nvPr/>
+        </p:nvPicPr>
+        <p:blipFill>
+          <a:blip r:embed="rId3"/>
+          <a:stretch>
+            <a:fillRect/>
+          </a:stretch>
+        </p:blipFill>
+        <p:spPr>
+          <a:xfrm>
+            <a:off x="699547" y="2552289"/>
+            <a:ext cx="6131559" cy="1515920"/>
+          </a:xfrm>
+          <a:prstGeom prst="rect">
+            <a:avLst/>
+          </a:prstGeom>
+        </p:spPr>
+      </p:pic>
+      <p:sp>
+        <p:nvSpPr>
+          <p:cNvPr id="5" name="Arrow: Up 4">
+            <a:extLst>
+              <a:ext uri="{FF2B5EF4-FFF2-40B4-BE49-F238E27FC236}">
+                <a16:creationId xmlns:a16="http://schemas.microsoft.com/office/drawing/2014/main" id="{350B9146-DDAB-0C38-579E-C879A16F7697}"/>
+              </a:ext>
+            </a:extLst>
+          </p:cNvPr>
+          <p:cNvSpPr/>
+          <p:nvPr/>
+        </p:nvSpPr>
+        <p:spPr>
+          <a:xfrm rot="16200000">
+            <a:off x="6968953" y="2351690"/>
+            <a:ext cx="495714" cy="1112066"/>
+          </a:xfrm>
+          <a:prstGeom prst="upArrow">
+            <a:avLst/>
+          </a:prstGeom>
+          <a:ln w="57150">
+            <a:solidFill>
+              <a:schemeClr val="tx1"/>
+            </a:solidFill>
+          </a:ln>
+        </p:spPr>
+        <p:style>
+          <a:lnRef idx="2">
+            <a:schemeClr val="accent1">
+              <a:shade val="15000"/>
+            </a:schemeClr>
+          </a:lnRef>
+          <a:fillRef idx="1">
+            <a:schemeClr val="accent1"/>
+          </a:fillRef>
+          <a:effectRef idx="0">
+            <a:schemeClr val="accent1"/>
+          </a:effectRef>
+          <a:fontRef idx="minor">
+            <a:schemeClr val="lt1"/>
+          </a:fontRef>
+        </p:style>
+        <p:txBody>
+          <a:bodyPr rtlCol="0" anchor="ctr"/>
+          <a:lstStyle/>
+          <a:p>
+            <a:pPr algn="ctr"/>
+            <a:endParaRPr lang="en-US"/>
+          </a:p>
+        </p:txBody>
+      </p:sp>
+      <p:pic>
+        <p:nvPicPr>
+          <p:cNvPr id="6" name="Picture 5">
+            <a:extLst>
+              <a:ext uri="{FF2B5EF4-FFF2-40B4-BE49-F238E27FC236}">
+                <a16:creationId xmlns:a16="http://schemas.microsoft.com/office/drawing/2014/main" id="{58E0D826-BD42-9F98-143E-3A32A7EAC81C}"/>
+              </a:ext>
+            </a:extLst>
+          </p:cNvPr>
+          <p:cNvPicPr>
+            <a:picLocks noChangeAspect="1"/>
+          </p:cNvPicPr>
+          <p:nvPr/>
+        </p:nvPicPr>
+        <p:blipFill>
+          <a:blip r:embed="rId4"/>
+          <a:stretch>
+            <a:fillRect/>
+          </a:stretch>
+        </p:blipFill>
+        <p:spPr>
+          <a:xfrm>
+            <a:off x="699547" y="4261013"/>
+            <a:ext cx="2829169" cy="2510025"/>
+          </a:xfrm>
+          <a:prstGeom prst="rect">
+            <a:avLst/>
+          </a:prstGeom>
+        </p:spPr>
+      </p:pic>
+      <p:sp>
+        <p:nvSpPr>
+          <p:cNvPr id="8" name="Arrow: Up 7">
+            <a:extLst>
+              <a:ext uri="{FF2B5EF4-FFF2-40B4-BE49-F238E27FC236}">
+                <a16:creationId xmlns:a16="http://schemas.microsoft.com/office/drawing/2014/main" id="{A480A3C8-DE8E-C59D-7748-6846CDA71D86}"/>
+              </a:ext>
+            </a:extLst>
+          </p:cNvPr>
+          <p:cNvSpPr/>
+          <p:nvPr/>
+        </p:nvSpPr>
+        <p:spPr>
+          <a:xfrm rot="16200000">
+            <a:off x="3768110" y="6054110"/>
+            <a:ext cx="495714" cy="1112066"/>
+          </a:xfrm>
+          <a:prstGeom prst="upArrow">
+            <a:avLst/>
+          </a:prstGeom>
+          <a:ln w="57150">
+            <a:solidFill>
+              <a:schemeClr val="tx1"/>
+            </a:solidFill>
+          </a:ln>
+        </p:spPr>
+        <p:style>
+          <a:lnRef idx="2">
+            <a:schemeClr val="accent1">
+              <a:shade val="15000"/>
+            </a:schemeClr>
+          </a:lnRef>
+          <a:fillRef idx="1">
+            <a:schemeClr val="accent1"/>
+          </a:fillRef>
+          <a:effectRef idx="0">
+            <a:schemeClr val="accent1"/>
+          </a:effectRef>
+          <a:fontRef idx="minor">
+            <a:schemeClr val="lt1"/>
+          </a:fontRef>
+        </p:style>
+        <p:txBody>
+          <a:bodyPr rtlCol="0" anchor="ctr"/>
+          <a:lstStyle/>
+          <a:p>
+            <a:pPr algn="ctr"/>
+            <a:endParaRPr lang="en-US"/>
+          </a:p>
+        </p:txBody>
+      </p:sp>
+      <p:sp>
+        <p:nvSpPr>
+          <p:cNvPr id="3" name="Rectangle 2">
+            <a:extLst>
+              <a:ext uri="{FF2B5EF4-FFF2-40B4-BE49-F238E27FC236}">
+                <a16:creationId xmlns:a16="http://schemas.microsoft.com/office/drawing/2014/main" id="{583A88AD-7AD0-6F26-F53B-1F92F1BE17D2}"/>
+              </a:ext>
+            </a:extLst>
+          </p:cNvPr>
+          <p:cNvSpPr/>
+          <p:nvPr/>
+        </p:nvSpPr>
+        <p:spPr>
+          <a:xfrm>
+            <a:off x="2777924" y="3298785"/>
+            <a:ext cx="2257063" cy="219919"/>
+          </a:xfrm>
+          <a:prstGeom prst="rect">
+            <a:avLst/>
+          </a:prstGeom>
+        </p:spPr>
+        <p:style>
+          <a:lnRef idx="2">
+            <a:schemeClr val="accent1">
+              <a:shade val="15000"/>
+            </a:schemeClr>
+          </a:lnRef>
+          <a:fillRef idx="1">
+            <a:schemeClr val="accent1"/>
+          </a:fillRef>
+          <a:effectRef idx="0">
+            <a:schemeClr val="accent1"/>
+          </a:effectRef>
+          <a:fontRef idx="minor">
+            <a:schemeClr val="lt1"/>
+          </a:fontRef>
+        </p:style>
+        <p:txBody>
+          <a:bodyPr rtlCol="0" anchor="ctr"/>
+          <a:lstStyle/>
+          <a:p>
+            <a:pPr algn="ctr"/>
+            <a:endParaRPr lang="en-US"/>
+          </a:p>
+        </p:txBody>
+      </p:sp>
+      <p:sp>
+        <p:nvSpPr>
+          <p:cNvPr id="7" name="Rectangle 6">
+            <a:extLst>
+              <a:ext uri="{FF2B5EF4-FFF2-40B4-BE49-F238E27FC236}">
+                <a16:creationId xmlns:a16="http://schemas.microsoft.com/office/drawing/2014/main" id="{3423B96E-9E62-7C57-5151-028F45D9217E}"/>
+              </a:ext>
+            </a:extLst>
+          </p:cNvPr>
+          <p:cNvSpPr/>
+          <p:nvPr/>
+        </p:nvSpPr>
+        <p:spPr>
+          <a:xfrm>
+            <a:off x="881605" y="5516025"/>
+            <a:ext cx="2257063" cy="219919"/>
+          </a:xfrm>
+          <a:prstGeom prst="rect">
+            <a:avLst/>
+          </a:prstGeom>
+        </p:spPr>
+        <p:style>
+          <a:lnRef idx="2">
+            <a:schemeClr val="accent1">
+              <a:shade val="15000"/>
+            </a:schemeClr>
+          </a:lnRef>
+          <a:fillRef idx="1">
+            <a:schemeClr val="accent1"/>
+          </a:fillRef>
+          <a:effectRef idx="0">
+            <a:schemeClr val="accent1"/>
+          </a:effectRef>
+          <a:fontRef idx="minor">
+            <a:schemeClr val="lt1"/>
+          </a:fontRef>
+        </p:style>
+        <p:txBody>
+          <a:bodyPr rtlCol="0" anchor="ctr"/>
+          <a:lstStyle/>
+          <a:p>
+            <a:pPr algn="ctr"/>
+            <a:endParaRPr lang="en-US"/>
+          </a:p>
+        </p:txBody>
+      </p:sp>
+    </p:spTree>
+    <p:extLst>
+      <p:ext uri="{BB962C8B-B14F-4D97-AF65-F5344CB8AC3E}">
+        <p14:creationId xmlns:p14="http://schemas.microsoft.com/office/powerpoint/2010/main" val="495471787"/>
+      </p:ext>
+    </p:extLst>
+  </p:cSld>
+  <p:clrMapOvr>
+    <a:masterClrMapping/>
+  </p:clrMapOvr>
+</p:sld>
+</file>
+
+<file path=ppt/slides/slide10.xml><?xml version="1.0" encoding="utf-8"?>
+<p:sld xmlns:a="http://schemas.openxmlformats.org/drawingml/2006/main" xmlns:r="http://schemas.openxmlformats.org/officeDocument/2006/relationships" xmlns:p="http://schemas.openxmlformats.org/presentationml/2006/main">
+  <p:cSld>
+    <p:spTree>
+      <p:nvGrpSpPr>
+        <p:cNvPr id="1" name=""/>
+        <p:cNvGrpSpPr/>
+        <p:nvPr/>
+      </p:nvGrpSpPr>
+      <p:grpSpPr>
+        <a:xfrm>
+          <a:off x="0" y="0"/>
+          <a:ext cx="0" cy="0"/>
+          <a:chOff x="0" y="0"/>
+          <a:chExt cx="0" cy="0"/>
+        </a:xfrm>
+      </p:grpSpPr>
+      <p:sp>
+        <p:nvSpPr>
+          <p:cNvPr id="2" name="Title 1">
+            <a:extLst>
+              <a:ext uri="{FF2B5EF4-FFF2-40B4-BE49-F238E27FC236}">
+                <a16:creationId xmlns:a16="http://schemas.microsoft.com/office/drawing/2014/main" id="{E8487F19-E0F7-6BA6-8ACF-74228A967296}"/>
               </a:ext>
             </a:extLst>
           </p:cNvPr>
@@ -5658,39 +6034,377 @@
             <p:ph type="title"/>
           </p:nvPr>
         </p:nvSpPr>
+        <p:spPr/>
+        <p:txBody>
+          <a:bodyPr/>
+          <a:lstStyle/>
+          <a:p>
+            <a:r>
+              <a:rPr lang="en-CA" dirty="0"/>
+              <a:t>Thumbtack Problem</a:t>
+            </a:r>
+            <a:endParaRPr lang="en-US" dirty="0"/>
+          </a:p>
+        </p:txBody>
+      </p:sp>
+      <mc:AlternateContent xmlns:mc="http://schemas.openxmlformats.org/markup-compatibility/2006" xmlns:a14="http://schemas.microsoft.com/office/drawing/2010/main">
+        <mc:Choice Requires="a14">
+          <p:sp>
+            <p:nvSpPr>
+              <p:cNvPr id="3" name="Content Placeholder 2">
+                <a:extLst>
+                  <a:ext uri="{FF2B5EF4-FFF2-40B4-BE49-F238E27FC236}">
+                    <a16:creationId xmlns:a16="http://schemas.microsoft.com/office/drawing/2014/main" id="{7577937E-E5AF-2A85-C05C-3CA600C253C2}"/>
+                  </a:ext>
+                </a:extLst>
+              </p:cNvPr>
+              <p:cNvSpPr>
+                <a:spLocks noGrp="1"/>
+              </p:cNvSpPr>
+              <p:nvPr>
+                <p:ph idx="1"/>
+              </p:nvPr>
+            </p:nvSpPr>
+            <p:spPr/>
+            <p:txBody>
+              <a:bodyPr/>
+              <a:lstStyle/>
+              <a:p>
+                <a:r>
+                  <a:rPr lang="en-CA" dirty="0"/>
+                  <a:t>Simple approach: </a:t>
+                </a:r>
+              </a:p>
+              <a:p>
+                <a:pPr lvl="1"/>
+                <a14:m>
+                  <m:oMath xmlns:m="http://schemas.openxmlformats.org/officeDocument/2006/math">
+                    <m:r>
+                      <m:rPr>
+                        <m:sty m:val="p"/>
+                      </m:rPr>
+                      <a:rPr lang="el-GR" i="1" dirty="0" smtClean="0">
+                        <a:latin typeface="Cambria Math" panose="02040503050406030204" pitchFamily="18" charset="0"/>
+                      </a:rPr>
+                      <m:t>Θ</m:t>
+                    </m:r>
+                    <m:r>
+                      <a:rPr lang="en-CA" b="0" i="1" dirty="0" smtClean="0">
+                        <a:latin typeface="Cambria Math" panose="02040503050406030204" pitchFamily="18" charset="0"/>
+                      </a:rPr>
+                      <m:t>=</m:t>
+                    </m:r>
+                    <m:f>
+                      <m:fPr>
+                        <m:ctrlPr>
+                          <a:rPr lang="en-CA" b="0" i="1" dirty="0" smtClean="0">
+                            <a:latin typeface="Cambria Math" panose="02040503050406030204" pitchFamily="18" charset="0"/>
+                          </a:rPr>
+                        </m:ctrlPr>
+                      </m:fPr>
+                      <m:num>
+                        <m:sSub>
+                          <m:sSubPr>
+                            <m:ctrlPr>
+                              <a:rPr lang="en-CA" b="0" i="1" dirty="0" smtClean="0">
+                                <a:latin typeface="Cambria Math" panose="02040503050406030204" pitchFamily="18" charset="0"/>
+                              </a:rPr>
+                            </m:ctrlPr>
+                          </m:sSubPr>
+                          <m:e>
+                            <m:r>
+                              <a:rPr lang="en-CA" b="0" i="1" dirty="0" smtClean="0">
+                                <a:latin typeface="Cambria Math" panose="02040503050406030204" pitchFamily="18" charset="0"/>
+                              </a:rPr>
+                              <m:t>𝑠</m:t>
+                            </m:r>
+                          </m:e>
+                          <m:sub>
+                            <m:r>
+                              <a:rPr lang="en-CA" b="0" i="1" dirty="0" smtClean="0">
+                                <a:latin typeface="Cambria Math" panose="02040503050406030204" pitchFamily="18" charset="0"/>
+                              </a:rPr>
+                              <m:t>𝑛</m:t>
+                            </m:r>
+                          </m:sub>
+                        </m:sSub>
+                      </m:num>
+                      <m:den>
+                        <m:r>
+                          <a:rPr lang="en-CA" b="0" i="1" dirty="0" smtClean="0">
+                            <a:latin typeface="Cambria Math" panose="02040503050406030204" pitchFamily="18" charset="0"/>
+                          </a:rPr>
+                          <m:t>𝑛</m:t>
+                        </m:r>
+                      </m:den>
+                    </m:f>
+                  </m:oMath>
+                </a14:m>
+                <a:endParaRPr lang="en-US" dirty="0"/>
+              </a:p>
+              <a:p>
+                <a:pPr lvl="1"/>
+                <a:r>
+                  <a:rPr lang="en-US" dirty="0"/>
+                  <a:t>Where </a:t>
+                </a:r>
+                <a14:m>
+                  <m:oMath xmlns:m="http://schemas.openxmlformats.org/officeDocument/2006/math">
+                    <m:sSub>
+                      <m:sSubPr>
+                        <m:ctrlPr>
+                          <a:rPr lang="en-CA" b="0" i="1" dirty="0" smtClean="0">
+                            <a:latin typeface="Cambria Math" panose="02040503050406030204" pitchFamily="18" charset="0"/>
+                          </a:rPr>
+                        </m:ctrlPr>
+                      </m:sSubPr>
+                      <m:e>
+                        <m:r>
+                          <a:rPr lang="en-CA" b="0" i="1" dirty="0" smtClean="0">
+                            <a:latin typeface="Cambria Math" panose="02040503050406030204" pitchFamily="18" charset="0"/>
+                          </a:rPr>
+                          <m:t>𝑠</m:t>
+                        </m:r>
+                      </m:e>
+                      <m:sub>
+                        <m:r>
+                          <a:rPr lang="en-CA" b="0" i="1" dirty="0" smtClean="0">
+                            <a:latin typeface="Cambria Math" panose="02040503050406030204" pitchFamily="18" charset="0"/>
+                          </a:rPr>
+                          <m:t>𝑛</m:t>
+                        </m:r>
+                      </m:sub>
+                    </m:sSub>
+                  </m:oMath>
+                </a14:m>
+                <a:r>
+                  <a:rPr lang="en-US" dirty="0"/>
+                  <a:t> is the number of successes in n trials.</a:t>
+                </a:r>
+              </a:p>
+              <a:p>
+                <a:pPr lvl="1"/>
+                <a:r>
+                  <a:rPr lang="en-US" dirty="0"/>
+                  <a:t>Requires </a:t>
+                </a:r>
+                <a:r>
+                  <a:rPr lang="en-US" b="1" dirty="0"/>
+                  <a:t>a large sample size </a:t>
+                </a:r>
+                <a:r>
+                  <a:rPr lang="en-US" dirty="0"/>
+                  <a:t>to be accurate</a:t>
+                </a:r>
+              </a:p>
+              <a:p>
+                <a14:m>
+                  <m:oMath xmlns:m="http://schemas.openxmlformats.org/officeDocument/2006/math">
+                    <m:r>
+                      <a:rPr lang="en-CA" b="0" i="1" dirty="0" smtClean="0">
+                        <a:latin typeface="Cambria Math" panose="02040503050406030204" pitchFamily="18" charset="0"/>
+                      </a:rPr>
+                      <m:t> </m:t>
+                    </m:r>
+                    <m:sSub>
+                      <m:sSubPr>
+                        <m:ctrlPr>
+                          <a:rPr lang="en-CA" b="0" i="1" dirty="0" smtClean="0">
+                            <a:latin typeface="Cambria Math" panose="02040503050406030204" pitchFamily="18" charset="0"/>
+                          </a:rPr>
+                        </m:ctrlPr>
+                      </m:sSubPr>
+                      <m:e>
+                        <m:r>
+                          <a:rPr lang="en-CA" b="0" i="1" dirty="0" smtClean="0">
+                            <a:latin typeface="Cambria Math" panose="02040503050406030204" pitchFamily="18" charset="0"/>
+                          </a:rPr>
+                          <m:t>𝑠</m:t>
+                        </m:r>
+                      </m:e>
+                      <m:sub>
+                        <m:r>
+                          <a:rPr lang="en-CA" b="0" i="1" dirty="0" smtClean="0">
+                            <a:latin typeface="Cambria Math" panose="02040503050406030204" pitchFamily="18" charset="0"/>
+                          </a:rPr>
+                          <m:t>𝑛</m:t>
+                        </m:r>
+                      </m:sub>
+                    </m:sSub>
+                    <m:r>
+                      <a:rPr lang="en-CA" b="0" i="1" dirty="0" smtClean="0">
+                        <a:latin typeface="Cambria Math" panose="02040503050406030204" pitchFamily="18" charset="0"/>
+                      </a:rPr>
+                      <m:t>~ </m:t>
+                    </m:r>
+                    <m:r>
+                      <a:rPr lang="en-CA" b="0" i="1" dirty="0" smtClean="0">
+                        <a:latin typeface="Cambria Math" panose="02040503050406030204" pitchFamily="18" charset="0"/>
+                      </a:rPr>
+                      <m:t>𝐵𝑖𝑛</m:t>
+                    </m:r>
+                    <m:r>
+                      <a:rPr lang="en-CA" b="0" i="1" dirty="0" smtClean="0">
+                        <a:latin typeface="Cambria Math" panose="02040503050406030204" pitchFamily="18" charset="0"/>
+                      </a:rPr>
+                      <m:t>(</m:t>
+                    </m:r>
+                    <m:r>
+                      <a:rPr lang="en-CA" b="0" i="1" dirty="0" smtClean="0">
+                        <a:latin typeface="Cambria Math" panose="02040503050406030204" pitchFamily="18" charset="0"/>
+                      </a:rPr>
+                      <m:t>𝑛</m:t>
+                    </m:r>
+                    <m:r>
+                      <a:rPr lang="en-CA" b="0" i="1" dirty="0" smtClean="0">
+                        <a:latin typeface="Cambria Math" panose="02040503050406030204" pitchFamily="18" charset="0"/>
+                      </a:rPr>
+                      <m:t>,</m:t>
+                    </m:r>
+                    <m:r>
+                      <a:rPr lang="en-CA" b="0" i="1" dirty="0" smtClean="0">
+                        <a:latin typeface="Cambria Math" panose="02040503050406030204" pitchFamily="18" charset="0"/>
+                        <a:ea typeface="Cambria Math" panose="02040503050406030204" pitchFamily="18" charset="0"/>
+                      </a:rPr>
+                      <m:t>𝜃</m:t>
+                    </m:r>
+                    <m:r>
+                      <a:rPr lang="en-CA" b="0" i="1" dirty="0" smtClean="0">
+                        <a:latin typeface="Cambria Math" panose="02040503050406030204" pitchFamily="18" charset="0"/>
+                        <a:ea typeface="Cambria Math" panose="02040503050406030204" pitchFamily="18" charset="0"/>
+                      </a:rPr>
+                      <m:t>)</m:t>
+                    </m:r>
+                  </m:oMath>
+                </a14:m>
+                <a:endParaRPr lang="en-US" dirty="0"/>
+              </a:p>
+              <a:p>
+                <a:pPr lvl="1"/>
+                <a:r>
+                  <a:rPr lang="en-US" b="1" dirty="0"/>
+                  <a:t>Generative Process for </a:t>
+                </a:r>
+                <a14:m>
+                  <m:oMath xmlns:m="http://schemas.openxmlformats.org/officeDocument/2006/math">
+                    <m:sSub>
+                      <m:sSubPr>
+                        <m:ctrlPr>
+                          <a:rPr lang="en-CA" b="1" i="1" dirty="0" smtClean="0">
+                            <a:latin typeface="Cambria Math" panose="02040503050406030204" pitchFamily="18" charset="0"/>
+                          </a:rPr>
+                        </m:ctrlPr>
+                      </m:sSubPr>
+                      <m:e>
+                        <m:r>
+                          <a:rPr lang="en-CA" b="1" i="1" dirty="0" smtClean="0">
+                            <a:latin typeface="Cambria Math" panose="02040503050406030204" pitchFamily="18" charset="0"/>
+                          </a:rPr>
+                          <m:t>𝒔</m:t>
+                        </m:r>
+                      </m:e>
+                      <m:sub>
+                        <m:r>
+                          <a:rPr lang="en-CA" b="1" i="1" dirty="0" smtClean="0">
+                            <a:latin typeface="Cambria Math" panose="02040503050406030204" pitchFamily="18" charset="0"/>
+                          </a:rPr>
+                          <m:t>𝒏</m:t>
+                        </m:r>
+                      </m:sub>
+                    </m:sSub>
+                  </m:oMath>
+                </a14:m>
+                <a:r>
+                  <a:rPr lang="en-US" b="1" dirty="0"/>
+                  <a:t> </a:t>
+                </a:r>
+              </a:p>
+              <a:p>
+                <a:pPr lvl="1"/>
+                <a:endParaRPr lang="en-US" b="1" dirty="0"/>
+              </a:p>
+              <a:p>
+                <a:endParaRPr lang="en-US" b="1" dirty="0"/>
+              </a:p>
+            </p:txBody>
+          </p:sp>
+        </mc:Choice>
+        <mc:Fallback xmlns="">
+          <p:sp>
+            <p:nvSpPr>
+              <p:cNvPr id="3" name="Content Placeholder 2">
+                <a:extLst>
+                  <a:ext uri="{FF2B5EF4-FFF2-40B4-BE49-F238E27FC236}">
+                    <a16:creationId xmlns:a16="http://schemas.microsoft.com/office/drawing/2014/main" id="{7577937E-E5AF-2A85-C05C-3CA600C253C2}"/>
+                  </a:ext>
+                </a:extLst>
+              </p:cNvPr>
+              <p:cNvSpPr>
+                <a:spLocks noGrp="1" noRot="1" noChangeAspect="1" noMove="1" noResize="1" noEditPoints="1" noAdjustHandles="1" noChangeArrowheads="1" noChangeShapeType="1" noTextEdit="1"/>
+              </p:cNvSpPr>
+              <p:nvPr>
+                <p:ph idx="1"/>
+              </p:nvPr>
+            </p:nvSpPr>
+            <p:spPr>
+              <a:blipFill>
+                <a:blip r:embed="rId2"/>
+                <a:stretch>
+                  <a:fillRect l="-1391" t="-2241"/>
+                </a:stretch>
+              </a:blipFill>
+            </p:spPr>
+            <p:txBody>
+              <a:bodyPr/>
+              <a:lstStyle/>
+              <a:p>
+                <a:r>
+                  <a:rPr lang="en-US">
+                    <a:noFill/>
+                  </a:rPr>
+                  <a:t> </a:t>
+                </a:r>
+              </a:p>
+            </p:txBody>
+          </p:sp>
+        </mc:Fallback>
+      </mc:AlternateContent>
+      <p:pic>
+        <p:nvPicPr>
+          <p:cNvPr id="5" name="Picture 4">
+            <a:extLst>
+              <a:ext uri="{FF2B5EF4-FFF2-40B4-BE49-F238E27FC236}">
+                <a16:creationId xmlns:a16="http://schemas.microsoft.com/office/drawing/2014/main" id="{28979E0E-832D-97D3-8A95-95895C47D641}"/>
+              </a:ext>
+            </a:extLst>
+          </p:cNvPr>
+          <p:cNvPicPr>
+            <a:picLocks noChangeAspect="1"/>
+          </p:cNvPicPr>
+          <p:nvPr/>
+        </p:nvPicPr>
+        <p:blipFill>
+          <a:blip r:embed="rId3"/>
+          <a:stretch>
+            <a:fillRect/>
+          </a:stretch>
+        </p:blipFill>
         <p:spPr>
           <a:xfrm>
-            <a:off x="1548882" y="2582090"/>
-            <a:ext cx="5609570" cy="1703583"/>
+            <a:off x="1438197" y="4561038"/>
+            <a:ext cx="5572202" cy="1310131"/>
           </a:xfrm>
+          <a:prstGeom prst="rect">
+            <a:avLst/>
+          </a:prstGeom>
         </p:spPr>
-        <p:txBody>
-          <a:bodyPr>
-            <a:normAutofit fontScale="90000"/>
-          </a:bodyPr>
-          <a:lstStyle/>
-          <a:p>
-            <a:pPr algn="ctr"/>
-            <a:r>
-              <a:rPr lang="en-CA" dirty="0">
-                <a:latin typeface="Helvetica"/>
-                <a:cs typeface="Helvetica"/>
-              </a:rPr>
-              <a:t>Bayesian Inference in R</a:t>
-            </a:r>
-            <a:endParaRPr lang="en-CA" dirty="0">
-              <a:latin typeface="Helvetica" pitchFamily="2" charset="0"/>
-              <a:cs typeface="Helvetica"/>
-            </a:endParaRPr>
-          </a:p>
-        </p:txBody>
-      </p:sp>
+      </p:pic>
       <p:sp>
         <p:nvSpPr>
-          <p:cNvPr id="2" name="TextBox 1">
+          <p:cNvPr id="6" name="TextBox 5">
             <a:extLst>
               <a:ext uri="{FF2B5EF4-FFF2-40B4-BE49-F238E27FC236}">
-                <a16:creationId xmlns:a16="http://schemas.microsoft.com/office/drawing/2014/main" id="{E57E6C04-4051-B883-0FFD-0C104B795BCE}"/>
+                <a16:creationId xmlns:a16="http://schemas.microsoft.com/office/drawing/2014/main" id="{7613D945-2286-4D8F-1CB5-FCABC0471149}"/>
               </a:ext>
             </a:extLst>
           </p:cNvPr>
@@ -5699,8 +6413,8 @@
         </p:nvSpPr>
         <p:spPr>
           <a:xfrm>
-            <a:off x="165136" y="5830349"/>
-            <a:ext cx="3973037" cy="369332"/>
+            <a:off x="1770183" y="5654606"/>
+            <a:ext cx="5240216" cy="369460"/>
           </a:xfrm>
           <a:prstGeom prst="rect">
             <a:avLst/>
@@ -5708,67 +6422,150 @@
           <a:noFill/>
         </p:spPr>
         <p:txBody>
-          <a:bodyPr wrap="square" lIns="91440" tIns="45720" rIns="91440" bIns="45720" rtlCol="0" anchor="t">
+          <a:bodyPr wrap="square" rtlCol="0">
             <a:spAutoFit/>
           </a:bodyPr>
           <a:lstStyle/>
           <a:p>
             <a:r>
-              <a:rPr lang="en-CA" sz="1800" dirty="0">
-                <a:latin typeface="Helvetica Light"/>
-              </a:rPr>
-              <a:t>Workshop Lead: Adrien Osakwe	 </a:t>
-            </a:r>
-            <a:endParaRPr lang="en-CA" dirty="0">
-              <a:latin typeface="Helvetica Light"/>
-            </a:endParaRPr>
+              <a:rPr lang="en-CA" dirty="0"/>
+              <a:t>Binomial Probability Mass Function – </a:t>
+            </a:r>
+            <a:r>
+              <a:rPr lang="en-CA" b="1" dirty="0"/>
+              <a:t>Our Likelihood</a:t>
+            </a:r>
+            <a:endParaRPr lang="en-US" dirty="0"/>
           </a:p>
         </p:txBody>
       </p:sp>
-      <p:sp>
-        <p:nvSpPr>
-          <p:cNvPr id="5" name="TextBox 4">
+      <p:grpSp>
+        <p:nvGrpSpPr>
+          <p:cNvPr id="7" name="Group 6">
             <a:extLst>
               <a:ext uri="{FF2B5EF4-FFF2-40B4-BE49-F238E27FC236}">
-                <a16:creationId xmlns:a16="http://schemas.microsoft.com/office/drawing/2014/main" id="{DB57BC4C-E4DD-4EF8-4690-732D69EB13AE}"/>
+                <a16:creationId xmlns:a16="http://schemas.microsoft.com/office/drawing/2014/main" id="{11EB6B64-B813-BCE1-20E4-FA22CC0970CE}"/>
               </a:ext>
             </a:extLst>
           </p:cNvPr>
-          <p:cNvSpPr txBox="1"/>
+          <p:cNvGrpSpPr/>
           <p:nvPr/>
-        </p:nvSpPr>
-        <p:spPr>
-          <a:xfrm>
-            <a:off x="165136" y="6199681"/>
-            <a:ext cx="2869466" cy="369332"/>
+        </p:nvGrpSpPr>
+        <p:grpSpPr>
+          <a:xfrm rot="8663058">
+            <a:off x="6480427" y="993949"/>
+            <a:ext cx="1371600" cy="924434"/>
+            <a:chOff x="6455996" y="2208356"/>
+            <a:chExt cx="1371600" cy="924434"/>
           </a:xfrm>
-          <a:prstGeom prst="rect">
-            <a:avLst/>
-          </a:prstGeom>
-          <a:noFill/>
-        </p:spPr>
-        <p:txBody>
-          <a:bodyPr wrap="square" lIns="91440" tIns="45720" rIns="91440" bIns="45720" rtlCol="0" anchor="t">
-            <a:spAutoFit/>
-          </a:bodyPr>
-          <a:lstStyle/>
-          <a:p>
-            <a:r>
-              <a:rPr lang="en-CA" sz="1800" dirty="0">
-                <a:latin typeface="Helvetica Light"/>
-              </a:rPr>
-              <a:t>Date: August 16, 2024</a:t>
-            </a:r>
-            <a:endParaRPr lang="en-CA" sz="1800" dirty="0">
-              <a:latin typeface="Helvetica Light" panose="020B0403020202020204" pitchFamily="34" charset="0"/>
-            </a:endParaRPr>
-          </a:p>
-        </p:txBody>
-      </p:sp>
+        </p:grpSpPr>
+        <p:sp>
+          <p:nvSpPr>
+            <p:cNvPr id="8" name="Cylinder 7">
+              <a:extLst>
+                <a:ext uri="{FF2B5EF4-FFF2-40B4-BE49-F238E27FC236}">
+                  <a16:creationId xmlns:a16="http://schemas.microsoft.com/office/drawing/2014/main" id="{CB88A57C-79E9-531B-A20E-9C59BCEFD900}"/>
+                </a:ext>
+              </a:extLst>
+            </p:cNvPr>
+            <p:cNvSpPr/>
+            <p:nvPr/>
+          </p:nvSpPr>
+          <p:spPr>
+            <a:xfrm rot="2135957">
+              <a:off x="6455996" y="2208356"/>
+              <a:ext cx="1371600" cy="177282"/>
+            </a:xfrm>
+            <a:prstGeom prst="can">
+              <a:avLst/>
+            </a:prstGeom>
+            <a:ln>
+              <a:solidFill>
+                <a:schemeClr val="tx1"/>
+              </a:solidFill>
+            </a:ln>
+          </p:spPr>
+          <p:style>
+            <a:lnRef idx="2">
+              <a:schemeClr val="accent1">
+                <a:shade val="15000"/>
+              </a:schemeClr>
+            </a:lnRef>
+            <a:fillRef idx="1">
+              <a:schemeClr val="accent1"/>
+            </a:fillRef>
+            <a:effectRef idx="0">
+              <a:schemeClr val="accent1"/>
+            </a:effectRef>
+            <a:fontRef idx="minor">
+              <a:schemeClr val="lt1"/>
+            </a:fontRef>
+          </p:style>
+          <p:txBody>
+            <a:bodyPr rtlCol="0" anchor="ctr"/>
+            <a:lstStyle/>
+            <a:p>
+              <a:pPr algn="ctr"/>
+              <a:endParaRPr lang="en-US"/>
+            </a:p>
+          </p:txBody>
+        </p:sp>
+        <p:sp>
+          <p:nvSpPr>
+            <p:cNvPr id="9" name="Flowchart: Merge 8">
+              <a:extLst>
+                <a:ext uri="{FF2B5EF4-FFF2-40B4-BE49-F238E27FC236}">
+                  <a16:creationId xmlns:a16="http://schemas.microsoft.com/office/drawing/2014/main" id="{DBC4AC24-A71F-EDC4-27DE-464AA691B62E}"/>
+                </a:ext>
+              </a:extLst>
+            </p:cNvPr>
+            <p:cNvSpPr/>
+            <p:nvPr/>
+          </p:nvSpPr>
+          <p:spPr>
+            <a:xfrm rot="2233590">
+              <a:off x="6711716" y="2265043"/>
+              <a:ext cx="186612" cy="867747"/>
+            </a:xfrm>
+            <a:prstGeom prst="flowChartMerge">
+              <a:avLst/>
+            </a:prstGeom>
+            <a:ln>
+              <a:solidFill>
+                <a:schemeClr val="tx1"/>
+              </a:solidFill>
+            </a:ln>
+          </p:spPr>
+          <p:style>
+            <a:lnRef idx="2">
+              <a:schemeClr val="accent1">
+                <a:shade val="15000"/>
+              </a:schemeClr>
+            </a:lnRef>
+            <a:fillRef idx="1">
+              <a:schemeClr val="accent1"/>
+            </a:fillRef>
+            <a:effectRef idx="0">
+              <a:schemeClr val="accent1"/>
+            </a:effectRef>
+            <a:fontRef idx="minor">
+              <a:schemeClr val="lt1"/>
+            </a:fontRef>
+          </p:style>
+          <p:txBody>
+            <a:bodyPr rtlCol="0" anchor="ctr"/>
+            <a:lstStyle/>
+            <a:p>
+              <a:pPr algn="ctr"/>
+              <a:endParaRPr lang="en-US"/>
+            </a:p>
+          </p:txBody>
+        </p:sp>
+      </p:grpSp>
     </p:spTree>
     <p:extLst>
       <p:ext uri="{BB962C8B-B14F-4D97-AF65-F5344CB8AC3E}">
-        <p14:creationId xmlns:p14="http://schemas.microsoft.com/office/powerpoint/2010/main" val="2389275097"/>
+        <p14:creationId xmlns:p14="http://schemas.microsoft.com/office/powerpoint/2010/main" val="1357439289"/>
       </p:ext>
     </p:extLst>
   </p:cSld>
@@ -5778,7 +6575,7 @@
 </p:sld>
 </file>
 
-<file path=ppt/slides/slide10.xml><?xml version="1.0" encoding="utf-8"?>
+<file path=ppt/slides/slide11.xml><?xml version="1.0" encoding="utf-8"?>
 <p:sld xmlns:a="http://schemas.openxmlformats.org/drawingml/2006/main" xmlns:r="http://schemas.openxmlformats.org/officeDocument/2006/relationships" xmlns:p="http://schemas.openxmlformats.org/presentationml/2006/main">
   <p:cSld>
     <p:spTree>
@@ -5952,7 +6749,7 @@
           <p:nvPr/>
         </p:nvPicPr>
         <p:blipFill>
-          <a:blip r:embed="rId3"/>
+          <a:blip r:embed="rId2"/>
           <a:stretch>
             <a:fillRect/>
           </a:stretch>
@@ -6105,7 +6902,7 @@
           <p:nvPr/>
         </p:nvPicPr>
         <p:blipFill>
-          <a:blip r:embed="rId4"/>
+          <a:blip r:embed="rId3"/>
           <a:stretch>
             <a:fillRect/>
           </a:stretch>
@@ -6133,7 +6930,7 @@
 </p:sld>
 </file>
 
-<file path=ppt/slides/slide11.xml><?xml version="1.0" encoding="utf-8"?>
+<file path=ppt/slides/slide12.xml><?xml version="1.0" encoding="utf-8"?>
 <p:sld xmlns:a="http://schemas.openxmlformats.org/drawingml/2006/main" xmlns:r="http://schemas.openxmlformats.org/officeDocument/2006/relationships" xmlns:p="http://schemas.openxmlformats.org/presentationml/2006/main">
   <p:cSld>
     <p:spTree>
@@ -6370,7 +7167,7 @@
 </p:sld>
 </file>
 
-<file path=ppt/slides/slide12.xml><?xml version="1.0" encoding="utf-8"?>
+<file path=ppt/slides/slide13.xml><?xml version="1.0" encoding="utf-8"?>
 <p:sld xmlns:a="http://schemas.openxmlformats.org/drawingml/2006/main" xmlns:r="http://schemas.openxmlformats.org/officeDocument/2006/relationships" xmlns:p="http://schemas.openxmlformats.org/presentationml/2006/main">
   <p:cSld>
     <p:spTree>
@@ -6610,7 +7407,7 @@
 </p:sld>
 </file>
 
-<file path=ppt/slides/slide13.xml><?xml version="1.0" encoding="utf-8"?>
+<file path=ppt/slides/slide14.xml><?xml version="1.0" encoding="utf-8"?>
 <p:sld xmlns:a="http://schemas.openxmlformats.org/drawingml/2006/main" xmlns:r="http://schemas.openxmlformats.org/officeDocument/2006/relationships" xmlns:p="http://schemas.openxmlformats.org/presentationml/2006/main">
   <p:cSld>
     <p:spTree>
@@ -6682,7 +7479,7 @@
 </p:sld>
 </file>
 
-<file path=ppt/slides/slide14.xml><?xml version="1.0" encoding="utf-8"?>
+<file path=ppt/slides/slide15.xml><?xml version="1.0" encoding="utf-8"?>
 <p:sld xmlns:a="http://schemas.openxmlformats.org/drawingml/2006/main" xmlns:r="http://schemas.openxmlformats.org/officeDocument/2006/relationships" xmlns:p="http://schemas.openxmlformats.org/presentationml/2006/main">
   <p:cSld>
     <p:spTree>
@@ -6807,7 +7604,7 @@
 </p:sld>
 </file>
 
-<file path=ppt/slides/slide15.xml><?xml version="1.0" encoding="utf-8"?>
+<file path=ppt/slides/slide16.xml><?xml version="1.0" encoding="utf-8"?>
 <p:sld xmlns:a="http://schemas.openxmlformats.org/drawingml/2006/main" xmlns:r="http://schemas.openxmlformats.org/officeDocument/2006/relationships" xmlns:p="http://schemas.openxmlformats.org/presentationml/2006/main">
   <p:cSld>
     <p:spTree>
@@ -6928,7 +7725,7 @@
 </p:sld>
 </file>
 
-<file path=ppt/slides/slide16.xml><?xml version="1.0" encoding="utf-8"?>
+<file path=ppt/slides/slide17.xml><?xml version="1.0" encoding="utf-8"?>
 <p:sld xmlns:a="http://schemas.openxmlformats.org/drawingml/2006/main" xmlns:r="http://schemas.openxmlformats.org/officeDocument/2006/relationships" xmlns:p="http://schemas.openxmlformats.org/presentationml/2006/main">
   <p:cSld>
     <p:spTree>
@@ -6987,7 +7784,7 @@
 </p:sld>
 </file>
 
-<file path=ppt/slides/slide17.xml><?xml version="1.0" encoding="utf-8"?>
+<file path=ppt/slides/slide18.xml><?xml version="1.0" encoding="utf-8"?>
 <p:sld xmlns:a="http://schemas.openxmlformats.org/drawingml/2006/main" xmlns:r="http://schemas.openxmlformats.org/officeDocument/2006/relationships" xmlns:p="http://schemas.openxmlformats.org/presentationml/2006/main">
   <p:cSld>
     <p:spTree>
@@ -7321,7 +8118,7 @@
 </p:sld>
 </file>
 
-<file path=ppt/slides/slide18.xml><?xml version="1.0" encoding="utf-8"?>
+<file path=ppt/slides/slide19.xml><?xml version="1.0" encoding="utf-8"?>
 <p:sld xmlns:a="http://schemas.openxmlformats.org/drawingml/2006/main" xmlns:r="http://schemas.openxmlformats.org/officeDocument/2006/relationships" xmlns:p="http://schemas.openxmlformats.org/presentationml/2006/main">
   <p:cSld>
     <p:spTree>
@@ -7451,7 +8248,160 @@
 </p:sld>
 </file>
 
-<file path=ppt/slides/slide19.xml><?xml version="1.0" encoding="utf-8"?>
+<file path=ppt/slides/slide2.xml><?xml version="1.0" encoding="utf-8"?>
+<p:sld xmlns:a="http://schemas.openxmlformats.org/drawingml/2006/main" xmlns:r="http://schemas.openxmlformats.org/officeDocument/2006/relationships" xmlns:p="http://schemas.openxmlformats.org/presentationml/2006/main">
+  <p:cSld>
+    <p:spTree>
+      <p:nvGrpSpPr>
+        <p:cNvPr id="1" name=""/>
+        <p:cNvGrpSpPr/>
+        <p:nvPr/>
+      </p:nvGrpSpPr>
+      <p:grpSpPr>
+        <a:xfrm>
+          <a:off x="0" y="0"/>
+          <a:ext cx="0" cy="0"/>
+          <a:chOff x="0" y="0"/>
+          <a:chExt cx="0" cy="0"/>
+        </a:xfrm>
+      </p:grpSpPr>
+      <p:sp>
+        <p:nvSpPr>
+          <p:cNvPr id="4" name="Titre 3">
+            <a:extLst>
+              <a:ext uri="{FF2B5EF4-FFF2-40B4-BE49-F238E27FC236}">
+                <a16:creationId xmlns:a16="http://schemas.microsoft.com/office/drawing/2014/main" id="{A45C165F-BC2D-0A42-B582-A27AE4DBB9CF}"/>
+              </a:ext>
+            </a:extLst>
+          </p:cNvPr>
+          <p:cNvSpPr>
+            <a:spLocks noGrp="1"/>
+          </p:cNvSpPr>
+          <p:nvPr>
+            <p:ph type="title"/>
+          </p:nvPr>
+        </p:nvSpPr>
+        <p:spPr>
+          <a:xfrm>
+            <a:off x="1548882" y="2582090"/>
+            <a:ext cx="5609570" cy="1703583"/>
+          </a:xfrm>
+        </p:spPr>
+        <p:txBody>
+          <a:bodyPr>
+            <a:normAutofit fontScale="90000"/>
+          </a:bodyPr>
+          <a:lstStyle/>
+          <a:p>
+            <a:pPr algn="ctr"/>
+            <a:r>
+              <a:rPr lang="en-CA" dirty="0">
+                <a:latin typeface="Helvetica"/>
+                <a:cs typeface="Helvetica"/>
+              </a:rPr>
+              <a:t>Bayesian Inference in R</a:t>
+            </a:r>
+            <a:endParaRPr lang="en-CA" dirty="0">
+              <a:latin typeface="Helvetica" pitchFamily="2" charset="0"/>
+              <a:cs typeface="Helvetica"/>
+            </a:endParaRPr>
+          </a:p>
+        </p:txBody>
+      </p:sp>
+      <p:sp>
+        <p:nvSpPr>
+          <p:cNvPr id="2" name="TextBox 1">
+            <a:extLst>
+              <a:ext uri="{FF2B5EF4-FFF2-40B4-BE49-F238E27FC236}">
+                <a16:creationId xmlns:a16="http://schemas.microsoft.com/office/drawing/2014/main" id="{E57E6C04-4051-B883-0FFD-0C104B795BCE}"/>
+              </a:ext>
+            </a:extLst>
+          </p:cNvPr>
+          <p:cNvSpPr txBox="1"/>
+          <p:nvPr/>
+        </p:nvSpPr>
+        <p:spPr>
+          <a:xfrm>
+            <a:off x="165136" y="5830349"/>
+            <a:ext cx="3973037" cy="369332"/>
+          </a:xfrm>
+          <a:prstGeom prst="rect">
+            <a:avLst/>
+          </a:prstGeom>
+          <a:noFill/>
+        </p:spPr>
+        <p:txBody>
+          <a:bodyPr wrap="square" lIns="91440" tIns="45720" rIns="91440" bIns="45720" rtlCol="0" anchor="t">
+            <a:spAutoFit/>
+          </a:bodyPr>
+          <a:lstStyle/>
+          <a:p>
+            <a:r>
+              <a:rPr lang="en-CA" sz="1800" dirty="0">
+                <a:latin typeface="Helvetica Light"/>
+              </a:rPr>
+              <a:t>Workshop Lead: Adrien Osakwe	 </a:t>
+            </a:r>
+            <a:endParaRPr lang="en-CA" dirty="0">
+              <a:latin typeface="Helvetica Light"/>
+            </a:endParaRPr>
+          </a:p>
+        </p:txBody>
+      </p:sp>
+      <p:sp>
+        <p:nvSpPr>
+          <p:cNvPr id="5" name="TextBox 4">
+            <a:extLst>
+              <a:ext uri="{FF2B5EF4-FFF2-40B4-BE49-F238E27FC236}">
+                <a16:creationId xmlns:a16="http://schemas.microsoft.com/office/drawing/2014/main" id="{DB57BC4C-E4DD-4EF8-4690-732D69EB13AE}"/>
+              </a:ext>
+            </a:extLst>
+          </p:cNvPr>
+          <p:cNvSpPr txBox="1"/>
+          <p:nvPr/>
+        </p:nvSpPr>
+        <p:spPr>
+          <a:xfrm>
+            <a:off x="165136" y="6199681"/>
+            <a:ext cx="2869466" cy="369332"/>
+          </a:xfrm>
+          <a:prstGeom prst="rect">
+            <a:avLst/>
+          </a:prstGeom>
+          <a:noFill/>
+        </p:spPr>
+        <p:txBody>
+          <a:bodyPr wrap="square" lIns="91440" tIns="45720" rIns="91440" bIns="45720" rtlCol="0" anchor="t">
+            <a:spAutoFit/>
+          </a:bodyPr>
+          <a:lstStyle/>
+          <a:p>
+            <a:r>
+              <a:rPr lang="en-CA" sz="1800" dirty="0">
+                <a:latin typeface="Helvetica Light"/>
+              </a:rPr>
+              <a:t>Date: August 16, 2024</a:t>
+            </a:r>
+            <a:endParaRPr lang="en-CA" sz="1800" dirty="0">
+              <a:latin typeface="Helvetica Light" panose="020B0403020202020204" pitchFamily="34" charset="0"/>
+            </a:endParaRPr>
+          </a:p>
+        </p:txBody>
+      </p:sp>
+    </p:spTree>
+    <p:extLst>
+      <p:ext uri="{BB962C8B-B14F-4D97-AF65-F5344CB8AC3E}">
+        <p14:creationId xmlns:p14="http://schemas.microsoft.com/office/powerpoint/2010/main" val="2389275097"/>
+      </p:ext>
+    </p:extLst>
+  </p:cSld>
+  <p:clrMapOvr>
+    <a:masterClrMapping/>
+  </p:clrMapOvr>
+</p:sld>
+</file>
+
+<file path=ppt/slides/slide20.xml><?xml version="1.0" encoding="utf-8"?>
 <p:sld xmlns:a="http://schemas.openxmlformats.org/drawingml/2006/main" xmlns:r="http://schemas.openxmlformats.org/officeDocument/2006/relationships" xmlns:p="http://schemas.openxmlformats.org/presentationml/2006/main">
   <p:cSld>
     <p:spTree>
@@ -7814,326 +8764,7 @@
 </p:sld>
 </file>
 
-<file path=ppt/slides/slide2.xml><?xml version="1.0" encoding="utf-8"?>
-<p:sld xmlns:a="http://schemas.openxmlformats.org/drawingml/2006/main" xmlns:r="http://schemas.openxmlformats.org/officeDocument/2006/relationships" xmlns:p="http://schemas.openxmlformats.org/presentationml/2006/main">
-  <p:cSld>
-    <p:spTree>
-      <p:nvGrpSpPr>
-        <p:cNvPr id="1" name=""/>
-        <p:cNvGrpSpPr/>
-        <p:nvPr/>
-      </p:nvGrpSpPr>
-      <p:grpSpPr>
-        <a:xfrm>
-          <a:off x="0" y="0"/>
-          <a:ext cx="0" cy="0"/>
-          <a:chOff x="0" y="0"/>
-          <a:chExt cx="0" cy="0"/>
-        </a:xfrm>
-      </p:grpSpPr>
-      <p:sp>
-        <p:nvSpPr>
-          <p:cNvPr id="4" name="Content Placeholder 3">
-            <a:extLst>
-              <a:ext uri="{FF2B5EF4-FFF2-40B4-BE49-F238E27FC236}">
-                <a16:creationId xmlns:a16="http://schemas.microsoft.com/office/drawing/2014/main" id="{8AE12D43-9137-DB7C-570B-E48AB2308897}"/>
-              </a:ext>
-            </a:extLst>
-          </p:cNvPr>
-          <p:cNvSpPr>
-            <a:spLocks noGrp="1"/>
-          </p:cNvSpPr>
-          <p:nvPr>
-            <p:ph sz="half" idx="2"/>
-          </p:nvPr>
-        </p:nvSpPr>
-        <p:spPr>
-          <a:xfrm>
-            <a:off x="924887" y="5357337"/>
-            <a:ext cx="3224152" cy="1266357"/>
-          </a:xfrm>
-        </p:spPr>
-        <p:txBody>
-          <a:bodyPr vert="horz" lIns="91440" tIns="45720" rIns="91440" bIns="45720" rtlCol="0" anchor="t">
-            <a:normAutofit/>
-          </a:bodyPr>
-          <a:lstStyle/>
-          <a:p>
-            <a:pPr marL="0" indent="0">
-              <a:buNone/>
-            </a:pPr>
-            <a:r>
-              <a:rPr lang="en-CA" sz="1800" dirty="0"/>
-              <a:t>Location: 550 Sherbrooke Street, Montreal, Quebec</a:t>
-            </a:r>
-          </a:p>
-        </p:txBody>
-      </p:sp>
-      <p:sp>
-        <p:nvSpPr>
-          <p:cNvPr id="8" name="TextBox 7">
-            <a:extLst>
-              <a:ext uri="{FF2B5EF4-FFF2-40B4-BE49-F238E27FC236}">
-                <a16:creationId xmlns:a16="http://schemas.microsoft.com/office/drawing/2014/main" id="{2A92A9C4-6F5B-9A18-012E-5626D25E3582}"/>
-              </a:ext>
-            </a:extLst>
-          </p:cNvPr>
-          <p:cNvSpPr txBox="1"/>
-          <p:nvPr/>
-        </p:nvSpPr>
-        <p:spPr>
-          <a:xfrm>
-            <a:off x="1179181" y="1488185"/>
-            <a:ext cx="6792944" cy="646331"/>
-          </a:xfrm>
-          <a:prstGeom prst="rect">
-            <a:avLst/>
-          </a:prstGeom>
-          <a:noFill/>
-        </p:spPr>
-        <p:txBody>
-          <a:bodyPr wrap="square" lIns="91440" tIns="45720" rIns="91440" bIns="45720" rtlCol="0" anchor="t">
-            <a:spAutoFit/>
-          </a:bodyPr>
-          <a:lstStyle/>
-          <a:p>
-            <a:pPr algn="ctr"/>
-            <a:r>
-              <a:rPr lang="en-CA" sz="1800" u="sng">
-                <a:latin typeface="Helvetica" pitchFamily="2" charset="0"/>
-              </a:rPr>
-              <a:t>Mission statement:</a:t>
-            </a:r>
-            <a:r>
-              <a:rPr lang="en-CA" sz="1800">
-                <a:latin typeface="Helvetica" pitchFamily="2" charset="0"/>
-              </a:rPr>
-              <a:t> d</a:t>
-            </a:r>
-            <a:r>
-              <a:rPr lang="en-CA" sz="1800" b="0" i="0">
-                <a:solidFill>
-                  <a:srgbClr val="000000"/>
-                </a:solidFill>
-                <a:effectLst/>
-                <a:latin typeface="Helvetica" pitchFamily="2" charset="0"/>
-                <a:cs typeface="Calibri"/>
-              </a:rPr>
-              <a:t>eliver quality workshops designed to help biomedical researchers develop the skills they need to succeed.</a:t>
-            </a:r>
-            <a:endParaRPr lang="en-CA" sz="1800">
-              <a:latin typeface="Helvetica" pitchFamily="2" charset="0"/>
-              <a:cs typeface="Calibri"/>
-            </a:endParaRPr>
-          </a:p>
-        </p:txBody>
-      </p:sp>
-      <p:pic>
-        <p:nvPicPr>
-          <p:cNvPr id="10" name="Picture 9" descr="A logo with a letter m&#10;&#10;Description automatically generated">
-            <a:extLst>
-              <a:ext uri="{FF2B5EF4-FFF2-40B4-BE49-F238E27FC236}">
-                <a16:creationId xmlns:a16="http://schemas.microsoft.com/office/drawing/2014/main" id="{E494228A-9E5D-1800-FDEC-760556611BD3}"/>
-              </a:ext>
-            </a:extLst>
-          </p:cNvPr>
-          <p:cNvPicPr>
-            <a:picLocks noChangeAspect="1"/>
-          </p:cNvPicPr>
-          <p:nvPr/>
-        </p:nvPicPr>
-        <p:blipFill>
-          <a:blip r:embed="rId2"/>
-          <a:stretch>
-            <a:fillRect/>
-          </a:stretch>
-        </p:blipFill>
-        <p:spPr>
-          <a:xfrm>
-            <a:off x="2574183" y="123976"/>
-            <a:ext cx="3995634" cy="964279"/>
-          </a:xfrm>
-          <a:prstGeom prst="rect">
-            <a:avLst/>
-          </a:prstGeom>
-        </p:spPr>
-      </p:pic>
-      <p:pic>
-        <p:nvPicPr>
-          <p:cNvPr id="12" name="Picture 11" descr="A qr code with black squares&#10;&#10;Description automatically generated">
-            <a:extLst>
-              <a:ext uri="{FF2B5EF4-FFF2-40B4-BE49-F238E27FC236}">
-                <a16:creationId xmlns:a16="http://schemas.microsoft.com/office/drawing/2014/main" id="{333BAB40-358F-BE60-7494-578A1971B335}"/>
-              </a:ext>
-            </a:extLst>
-          </p:cNvPr>
-          <p:cNvPicPr>
-            <a:picLocks noChangeAspect="1"/>
-          </p:cNvPicPr>
-          <p:nvPr/>
-        </p:nvPicPr>
-        <p:blipFill>
-          <a:blip r:embed="rId3"/>
-          <a:stretch>
-            <a:fillRect/>
-          </a:stretch>
-        </p:blipFill>
-        <p:spPr>
-          <a:xfrm>
-            <a:off x="5518580" y="2808275"/>
-            <a:ext cx="2203814" cy="2203814"/>
-          </a:xfrm>
-          <a:prstGeom prst="rect">
-            <a:avLst/>
-          </a:prstGeom>
-        </p:spPr>
-      </p:pic>
-      <p:sp>
-        <p:nvSpPr>
-          <p:cNvPr id="13" name="TextBox 12">
-            <a:extLst>
-              <a:ext uri="{FF2B5EF4-FFF2-40B4-BE49-F238E27FC236}">
-                <a16:creationId xmlns:a16="http://schemas.microsoft.com/office/drawing/2014/main" id="{174C1E59-2F37-F73C-4DFA-8971D19A54AE}"/>
-              </a:ext>
-            </a:extLst>
-          </p:cNvPr>
-          <p:cNvSpPr txBox="1"/>
-          <p:nvPr/>
-        </p:nvSpPr>
-        <p:spPr>
-          <a:xfrm>
-            <a:off x="4373913" y="5288330"/>
-            <a:ext cx="4632294" cy="646331"/>
-          </a:xfrm>
-          <a:prstGeom prst="rect">
-            <a:avLst/>
-          </a:prstGeom>
-          <a:noFill/>
-        </p:spPr>
-        <p:txBody>
-          <a:bodyPr wrap="square" lIns="91440" tIns="45720" rIns="91440" bIns="45720" rtlCol="0" anchor="t">
-            <a:spAutoFit/>
-          </a:bodyPr>
-          <a:lstStyle/>
-          <a:p>
-            <a:pPr algn="ctr"/>
-            <a:r>
-              <a:rPr lang="en-CA" sz="1800"/>
-              <a:t>Scan the QR code to sign up </a:t>
-            </a:r>
-          </a:p>
-          <a:p>
-            <a:pPr algn="ctr"/>
-            <a:r>
-              <a:rPr lang="en-CA" sz="1800"/>
-              <a:t>for our </a:t>
-            </a:r>
-            <a:r>
-              <a:rPr lang="en-CA" sz="1800" b="1"/>
-              <a:t>mailing list</a:t>
-            </a:r>
-            <a:endParaRPr lang="en-CA" sz="1800"/>
-          </a:p>
-        </p:txBody>
-      </p:sp>
-      <p:sp>
-        <p:nvSpPr>
-          <p:cNvPr id="3" name="TextBox 2">
-            <a:extLst>
-              <a:ext uri="{FF2B5EF4-FFF2-40B4-BE49-F238E27FC236}">
-                <a16:creationId xmlns:a16="http://schemas.microsoft.com/office/drawing/2014/main" id="{8E0D0C58-4777-B836-81EE-F027A53CFFAF}"/>
-              </a:ext>
-            </a:extLst>
-          </p:cNvPr>
-          <p:cNvSpPr txBox="1"/>
-          <p:nvPr/>
-        </p:nvSpPr>
-        <p:spPr>
-          <a:xfrm>
-            <a:off x="2574183" y="6243368"/>
-            <a:ext cx="4596848" cy="369332"/>
-          </a:xfrm>
-          <a:prstGeom prst="rect">
-            <a:avLst/>
-          </a:prstGeom>
-          <a:noFill/>
-        </p:spPr>
-        <p:txBody>
-          <a:bodyPr wrap="square">
-            <a:spAutoFit/>
-          </a:bodyPr>
-          <a:lstStyle/>
-          <a:p>
-            <a:pPr marL="0" indent="0">
-              <a:buNone/>
-            </a:pPr>
-            <a:r>
-              <a:rPr lang="en-CA" sz="1800"/>
-              <a:t>Contact: </a:t>
-            </a:r>
-            <a:r>
-              <a:rPr lang="en-CA" sz="1800">
-                <a:hlinkClick r:id="rId4"/>
-              </a:rPr>
-              <a:t>workshop-micm@mcgill.ca</a:t>
-            </a:r>
-            <a:r>
-              <a:rPr lang="en-CA" sz="1800"/>
-              <a:t> </a:t>
-            </a:r>
-          </a:p>
-        </p:txBody>
-      </p:sp>
-      <p:pic>
-        <p:nvPicPr>
-          <p:cNvPr id="2" name="Picture 1" descr="A map of a city&#10;&#10;Description automatically generated">
-            <a:extLst>
-              <a:ext uri="{FF2B5EF4-FFF2-40B4-BE49-F238E27FC236}">
-                <a16:creationId xmlns:a16="http://schemas.microsoft.com/office/drawing/2014/main" id="{0D7302FE-4674-2672-DBA9-50C4E86C9AA1}"/>
-              </a:ext>
-            </a:extLst>
-          </p:cNvPr>
-          <p:cNvPicPr>
-            <a:picLocks noChangeAspect="1"/>
-          </p:cNvPicPr>
-          <p:nvPr/>
-        </p:nvPicPr>
-        <p:blipFill>
-          <a:blip r:embed="rId5"/>
-          <a:stretch>
-            <a:fillRect/>
-          </a:stretch>
-        </p:blipFill>
-        <p:spPr>
-          <a:xfrm>
-            <a:off x="923193" y="2640892"/>
-            <a:ext cx="2868491" cy="2356534"/>
-          </a:xfrm>
-          <a:prstGeom prst="ellipse">
-            <a:avLst/>
-          </a:prstGeom>
-          <a:ln>
-            <a:noFill/>
-          </a:ln>
-          <a:effectLst>
-            <a:softEdge rad="112500"/>
-          </a:effectLst>
-        </p:spPr>
-      </p:pic>
-    </p:spTree>
-    <p:extLst>
-      <p:ext uri="{BB962C8B-B14F-4D97-AF65-F5344CB8AC3E}">
-        <p14:creationId xmlns:p14="http://schemas.microsoft.com/office/powerpoint/2010/main" val="1324269546"/>
-      </p:ext>
-    </p:extLst>
-  </p:cSld>
-  <p:clrMapOvr>
-    <a:masterClrMapping/>
-  </p:clrMapOvr>
-</p:sld>
-</file>
-
-<file path=ppt/slides/slide20.xml><?xml version="1.0" encoding="utf-8"?>
+<file path=ppt/slides/slide21.xml><?xml version="1.0" encoding="utf-8"?>
 <p:sld xmlns:a="http://schemas.openxmlformats.org/drawingml/2006/main" xmlns:r="http://schemas.openxmlformats.org/officeDocument/2006/relationships" xmlns:p="http://schemas.openxmlformats.org/presentationml/2006/main">
   <p:cSld>
     <p:spTree>
@@ -8179,8 +8810,8 @@
           </a:p>
         </p:txBody>
       </p:sp>
-      <mc:AlternateContent xmlns:mc="http://schemas.openxmlformats.org/markup-compatibility/2006">
-        <mc:Choice xmlns:a14="http://schemas.microsoft.com/office/drawing/2010/main" Requires="a14">
+      <mc:AlternateContent xmlns:mc="http://schemas.openxmlformats.org/markup-compatibility/2006" xmlns:a14="http://schemas.microsoft.com/office/drawing/2010/main">
+        <mc:Choice Requires="a14">
           <p:sp>
             <p:nvSpPr>
               <p:cNvPr id="3" name="Content Placeholder 2">
@@ -8538,7 +9169,7 @@
             </p:txBody>
           </p:sp>
         </mc:Choice>
-        <mc:Fallback>
+        <mc:Fallback xmlns="">
           <p:sp>
             <p:nvSpPr>
               <p:cNvPr id="3" name="Content Placeholder 2">
@@ -9011,7 +9642,7 @@
 </p:sld>
 </file>
 
-<file path=ppt/slides/slide21.xml><?xml version="1.0" encoding="utf-8"?>
+<file path=ppt/slides/slide22.xml><?xml version="1.0" encoding="utf-8"?>
 <p:sld xmlns:a="http://schemas.openxmlformats.org/drawingml/2006/main" xmlns:r="http://schemas.openxmlformats.org/officeDocument/2006/relationships" xmlns:p="http://schemas.openxmlformats.org/presentationml/2006/main">
   <p:cSld>
     <p:spTree>
@@ -9057,8 +9688,8 @@
           </a:p>
         </p:txBody>
       </p:sp>
-      <mc:AlternateContent xmlns:mc="http://schemas.openxmlformats.org/markup-compatibility/2006">
-        <mc:Choice xmlns:a14="http://schemas.microsoft.com/office/drawing/2010/main" Requires="a14">
+      <mc:AlternateContent xmlns:mc="http://schemas.openxmlformats.org/markup-compatibility/2006" xmlns:a14="http://schemas.microsoft.com/office/drawing/2010/main">
+        <mc:Choice Requires="a14">
           <p:sp>
             <p:nvSpPr>
               <p:cNvPr id="3" name="Content Placeholder 2">
@@ -9408,7 +10039,7 @@
             </p:txBody>
           </p:sp>
         </mc:Choice>
-        <mc:Fallback>
+        <mc:Fallback xmlns="">
           <p:sp>
             <p:nvSpPr>
               <p:cNvPr id="3" name="Content Placeholder 2">
@@ -9461,7 +10092,7 @@
 </p:sld>
 </file>
 
-<file path=ppt/slides/slide22.xml><?xml version="1.0" encoding="utf-8"?>
+<file path=ppt/slides/slide23.xml><?xml version="1.0" encoding="utf-8"?>
 <p:sld xmlns:a="http://schemas.openxmlformats.org/drawingml/2006/main" xmlns:r="http://schemas.openxmlformats.org/officeDocument/2006/relationships" xmlns:p="http://schemas.openxmlformats.org/presentationml/2006/main">
   <p:cSld>
     <p:spTree>
@@ -9507,8 +10138,8 @@
           </a:p>
         </p:txBody>
       </p:sp>
-      <mc:AlternateContent xmlns:mc="http://schemas.openxmlformats.org/markup-compatibility/2006">
-        <mc:Choice xmlns:a14="http://schemas.microsoft.com/office/drawing/2010/main" Requires="a14">
+      <mc:AlternateContent xmlns:mc="http://schemas.openxmlformats.org/markup-compatibility/2006" xmlns:a14="http://schemas.microsoft.com/office/drawing/2010/main">
+        <mc:Choice Requires="a14">
           <p:sp>
             <p:nvSpPr>
               <p:cNvPr id="3" name="Content Placeholder 2">
@@ -9787,7 +10418,7 @@
             </p:txBody>
           </p:sp>
         </mc:Choice>
-        <mc:Fallback>
+        <mc:Fallback xmlns="">
           <p:sp>
             <p:nvSpPr>
               <p:cNvPr id="3" name="Content Placeholder 2">
@@ -9992,7 +10623,7 @@
 </p:sld>
 </file>
 
-<file path=ppt/slides/slide23.xml><?xml version="1.0" encoding="utf-8"?>
+<file path=ppt/slides/slide24.xml><?xml version="1.0" encoding="utf-8"?>
 <p:sld xmlns:a="http://schemas.openxmlformats.org/drawingml/2006/main" xmlns:r="http://schemas.openxmlformats.org/officeDocument/2006/relationships" xmlns:p="http://schemas.openxmlformats.org/presentationml/2006/main">
   <p:cSld>
     <p:spTree>
@@ -10038,81 +10669,356 @@
           </a:p>
         </p:txBody>
       </p:sp>
-      <p:sp>
-        <p:nvSpPr>
-          <p:cNvPr id="3" name="Content Placeholder 2">
-            <a:extLst>
-              <a:ext uri="{FF2B5EF4-FFF2-40B4-BE49-F238E27FC236}">
-                <a16:creationId xmlns:a16="http://schemas.microsoft.com/office/drawing/2014/main" id="{8D362313-2A65-65B5-2217-5CACE5B30BA3}"/>
-              </a:ext>
-            </a:extLst>
-          </p:cNvPr>
-          <p:cNvSpPr>
-            <a:spLocks noGrp="1"/>
-          </p:cNvSpPr>
-          <p:nvPr>
-            <p:ph idx="1"/>
-          </p:nvPr>
-        </p:nvSpPr>
-        <p:spPr/>
-        <p:txBody>
-          <a:bodyPr/>
-          <a:lstStyle/>
-          <a:p>
-            <a:r>
-              <a:rPr lang="en-CA" dirty="0"/>
-              <a:t>Once we have collected observations, we can </a:t>
-            </a:r>
-            <a:r>
-              <a:rPr lang="en-CA" b="1" dirty="0"/>
-              <a:t>update </a:t>
-            </a:r>
-            <a:r>
-              <a:rPr lang="en-CA" dirty="0"/>
-              <a:t>our prior with our posterior</a:t>
-            </a:r>
-          </a:p>
-          <a:p>
-            <a:pPr marL="0" indent="0">
-              <a:buNone/>
-            </a:pPr>
-            <a:endParaRPr lang="en-CA" dirty="0"/>
-          </a:p>
-          <a:p>
-            <a:r>
-              <a:rPr lang="en-CA" dirty="0"/>
-              <a:t>Can now update our posterior estimation</a:t>
-            </a:r>
-          </a:p>
-          <a:p>
-            <a:pPr marL="0" indent="0">
-              <a:buNone/>
-            </a:pPr>
-            <a:endParaRPr lang="en-CA" dirty="0"/>
-          </a:p>
-          <a:p>
-            <a:pPr marL="0" indent="0">
-              <a:buNone/>
-            </a:pPr>
-            <a:endParaRPr lang="en-CA" dirty="0"/>
-          </a:p>
-          <a:p>
-            <a:r>
-              <a:rPr lang="en-CA" dirty="0"/>
-              <a:t>Can update our observation prediction</a:t>
-            </a:r>
-          </a:p>
-          <a:p>
-            <a:pPr lvl="1"/>
-            <a:r>
-              <a:rPr lang="en-CA" b="1" dirty="0"/>
-              <a:t>Posterior Predictive Distribution</a:t>
-            </a:r>
-          </a:p>
-        </p:txBody>
-      </p:sp>
       <mc:AlternateContent xmlns:mc="http://schemas.openxmlformats.org/markup-compatibility/2006">
         <mc:Choice xmlns:a14="http://schemas.microsoft.com/office/drawing/2010/main" Requires="a14">
+          <p:sp>
+            <p:nvSpPr>
+              <p:cNvPr id="3" name="Content Placeholder 2">
+                <a:extLst>
+                  <a:ext uri="{FF2B5EF4-FFF2-40B4-BE49-F238E27FC236}">
+                    <a16:creationId xmlns:a16="http://schemas.microsoft.com/office/drawing/2014/main" id="{8D362313-2A65-65B5-2217-5CACE5B30BA3}"/>
+                  </a:ext>
+                </a:extLst>
+              </p:cNvPr>
+              <p:cNvSpPr>
+                <a:spLocks noGrp="1"/>
+              </p:cNvSpPr>
+              <p:nvPr>
+                <p:ph idx="1"/>
+              </p:nvPr>
+            </p:nvSpPr>
+            <p:spPr/>
+            <p:txBody>
+              <a:bodyPr>
+                <a:normAutofit lnSpcReduction="10000"/>
+              </a:bodyPr>
+              <a:lstStyle/>
+              <a:p>
+                <a:r>
+                  <a:rPr lang="en-CA" dirty="0"/>
+                  <a:t>Once we have collected observations, we can </a:t>
+                </a:r>
+                <a:r>
+                  <a:rPr lang="en-CA" b="1" dirty="0"/>
+                  <a:t>update </a:t>
+                </a:r>
+                <a:r>
+                  <a:rPr lang="en-CA" dirty="0"/>
+                  <a:t>our prior with our posterior</a:t>
+                </a:r>
+              </a:p>
+              <a:p>
+                <a:pPr marL="0" indent="0">
+                  <a:buNone/>
+                </a:pPr>
+                <a:endParaRPr lang="en-CA" dirty="0"/>
+              </a:p>
+              <a:p>
+                <a:r>
+                  <a:rPr lang="en-CA" dirty="0"/>
+                  <a:t>Can now update our posterior estimation</a:t>
+                </a:r>
+              </a:p>
+              <a:p>
+                <a:pPr marL="0" indent="0">
+                  <a:buNone/>
+                </a:pPr>
+                <a:endParaRPr lang="en-CA" dirty="0"/>
+              </a:p>
+              <a:p>
+                <a:pPr marL="0" indent="0">
+                  <a:buNone/>
+                </a:pPr>
+                <a:endParaRPr lang="en-CA" dirty="0"/>
+              </a:p>
+              <a:p>
+                <a:r>
+                  <a:rPr lang="en-CA" dirty="0"/>
+                  <a:t>Can update our observation prediction</a:t>
+                </a:r>
+              </a:p>
+              <a:p>
+                <a:pPr lvl="1"/>
+                <a:r>
+                  <a:rPr lang="en-CA" b="1" dirty="0"/>
+                  <a:t>Posterior Predictive Distribution</a:t>
+                </a:r>
+              </a:p>
+              <a:p>
+                <a:pPr marL="457088" lvl="1" indent="0">
+                  <a:buNone/>
+                </a:pPr>
+                <a14:m>
+                  <m:oMathPara xmlns:m="http://schemas.openxmlformats.org/officeDocument/2006/math">
+                    <m:oMathParaPr>
+                      <m:jc m:val="centerGroup"/>
+                    </m:oMathParaPr>
+                    <m:oMath xmlns:m="http://schemas.openxmlformats.org/officeDocument/2006/math">
+                      <m:nary>
+                        <m:naryPr>
+                          <m:limLoc m:val="undOvr"/>
+                          <m:subHide m:val="on"/>
+                          <m:supHide m:val="on"/>
+                          <m:ctrlPr>
+                            <a:rPr lang="en-CA" b="1" i="1" smtClean="0">
+                              <a:solidFill>
+                                <a:schemeClr val="tx1"/>
+                              </a:solidFill>
+                              <a:latin typeface="Cambria Math" panose="02040503050406030204" pitchFamily="18" charset="0"/>
+                              <a:ea typeface="Cambria Math" panose="02040503050406030204" pitchFamily="18" charset="0"/>
+                            </a:rPr>
+                          </m:ctrlPr>
+                        </m:naryPr>
+                        <m:sub/>
+                        <m:sup/>
+                        <m:e>
+                          <m:r>
+                            <a:rPr lang="en-CA" b="1" i="1">
+                              <a:solidFill>
+                                <a:srgbClr val="0070C0"/>
+                              </a:solidFill>
+                              <a:latin typeface="Cambria Math" panose="02040503050406030204" pitchFamily="18" charset="0"/>
+                              <a:ea typeface="Cambria Math" panose="02040503050406030204" pitchFamily="18" charset="0"/>
+                            </a:rPr>
+                            <m:t>𝑷</m:t>
+                          </m:r>
+                          <m:d>
+                            <m:dPr>
+                              <m:ctrlPr>
+                                <a:rPr lang="en-CA" b="1" i="1">
+                                  <a:solidFill>
+                                    <a:srgbClr val="0070C0"/>
+                                  </a:solidFill>
+                                  <a:latin typeface="Cambria Math" panose="02040503050406030204" pitchFamily="18" charset="0"/>
+                                  <a:ea typeface="Cambria Math" panose="02040503050406030204" pitchFamily="18" charset="0"/>
+                                </a:rPr>
+                              </m:ctrlPr>
+                            </m:dPr>
+                            <m:e>
+                              <m:r>
+                                <a:rPr lang="en-CA" b="1" i="1">
+                                  <a:solidFill>
+                                    <a:srgbClr val="0070C0"/>
+                                  </a:solidFill>
+                                  <a:latin typeface="Cambria Math" panose="02040503050406030204" pitchFamily="18" charset="0"/>
+                                  <a:ea typeface="Cambria Math" panose="02040503050406030204" pitchFamily="18" charset="0"/>
+                                </a:rPr>
+                                <m:t>𝒙</m:t>
+                              </m:r>
+                            </m:e>
+                            <m:e>
+                              <m:r>
+                                <a:rPr lang="en-CA" b="1" i="1">
+                                  <a:solidFill>
+                                    <a:srgbClr val="0070C0"/>
+                                  </a:solidFill>
+                                  <a:latin typeface="Cambria Math" panose="02040503050406030204" pitchFamily="18" charset="0"/>
+                                  <a:ea typeface="Cambria Math" panose="02040503050406030204" pitchFamily="18" charset="0"/>
+                                </a:rPr>
+                                <m:t>𝜽</m:t>
+                              </m:r>
+                            </m:e>
+                          </m:d>
+                          <m:r>
+                            <a:rPr lang="en-CA" b="1" i="1">
+                              <a:solidFill>
+                                <a:srgbClr val="FF0000"/>
+                              </a:solidFill>
+                              <a:latin typeface="Cambria Math" panose="02040503050406030204" pitchFamily="18" charset="0"/>
+                              <a:ea typeface="Cambria Math" panose="02040503050406030204" pitchFamily="18" charset="0"/>
+                            </a:rPr>
+                            <m:t>𝑷</m:t>
+                          </m:r>
+                          <m:r>
+                            <a:rPr lang="en-CA" b="1" i="1">
+                              <a:solidFill>
+                                <a:srgbClr val="FF0000"/>
+                              </a:solidFill>
+                              <a:latin typeface="Cambria Math" panose="02040503050406030204" pitchFamily="18" charset="0"/>
+                              <a:ea typeface="Cambria Math" panose="02040503050406030204" pitchFamily="18" charset="0"/>
+                            </a:rPr>
+                            <m:t>(</m:t>
+                          </m:r>
+                          <m:r>
+                            <a:rPr lang="en-CA" b="1" i="1">
+                              <a:solidFill>
+                                <a:srgbClr val="FF0000"/>
+                              </a:solidFill>
+                              <a:latin typeface="Cambria Math" panose="02040503050406030204" pitchFamily="18" charset="0"/>
+                              <a:ea typeface="Cambria Math" panose="02040503050406030204" pitchFamily="18" charset="0"/>
+                            </a:rPr>
+                            <m:t>𝜽</m:t>
+                          </m:r>
+                          <m:r>
+                            <a:rPr lang="en-CA" b="1" i="1" smtClean="0">
+                              <a:solidFill>
+                                <a:srgbClr val="FF0000"/>
+                              </a:solidFill>
+                              <a:latin typeface="Cambria Math" panose="02040503050406030204" pitchFamily="18" charset="0"/>
+                              <a:ea typeface="Cambria Math" panose="02040503050406030204" pitchFamily="18" charset="0"/>
+                            </a:rPr>
+                            <m:t>|</m:t>
+                          </m:r>
+                          <m:r>
+                            <a:rPr lang="en-CA" b="1" i="1" smtClean="0">
+                              <a:solidFill>
+                                <a:srgbClr val="FF0000"/>
+                              </a:solidFill>
+                              <a:latin typeface="Cambria Math" panose="02040503050406030204" pitchFamily="18" charset="0"/>
+                              <a:ea typeface="Cambria Math" panose="02040503050406030204" pitchFamily="18" charset="0"/>
+                            </a:rPr>
+                            <m:t>𝒚</m:t>
+                          </m:r>
+                          <m:r>
+                            <a:rPr lang="en-CA" b="1" i="1">
+                              <a:solidFill>
+                                <a:srgbClr val="FF0000"/>
+                              </a:solidFill>
+                              <a:latin typeface="Cambria Math" panose="02040503050406030204" pitchFamily="18" charset="0"/>
+                              <a:ea typeface="Cambria Math" panose="02040503050406030204" pitchFamily="18" charset="0"/>
+                            </a:rPr>
+                            <m:t>)</m:t>
+                          </m:r>
+                          <m:r>
+                            <m:rPr>
+                              <m:nor/>
+                            </m:rPr>
+                            <a:rPr lang="en-CA" b="0" i="0" smtClean="0">
+                              <a:solidFill>
+                                <a:schemeClr val="tx1"/>
+                              </a:solidFill>
+                              <a:latin typeface="Cambria Math" panose="02040503050406030204" pitchFamily="18" charset="0"/>
+                              <a:ea typeface="Cambria Math" panose="02040503050406030204" pitchFamily="18" charset="0"/>
+                            </a:rPr>
+                            <m:t>d</m:t>
+                          </m:r>
+                          <m:r>
+                            <a:rPr lang="en-CA" b="1" i="1">
+                              <a:solidFill>
+                                <a:schemeClr val="tx1"/>
+                              </a:solidFill>
+                              <a:latin typeface="Cambria Math" panose="02040503050406030204" pitchFamily="18" charset="0"/>
+                              <a:ea typeface="Cambria Math" panose="02040503050406030204" pitchFamily="18" charset="0"/>
+                            </a:rPr>
+                            <m:t>𝜽</m:t>
+                          </m:r>
+                        </m:e>
+                      </m:nary>
+                      <m:r>
+                        <a:rPr lang="en-CA" b="1" i="1" smtClean="0">
+                          <a:solidFill>
+                            <a:schemeClr val="tx1"/>
+                          </a:solidFill>
+                          <a:latin typeface="Cambria Math" panose="02040503050406030204" pitchFamily="18" charset="0"/>
+                          <a:ea typeface="Cambria Math" panose="02040503050406030204" pitchFamily="18" charset="0"/>
+                        </a:rPr>
+                        <m:t>=</m:t>
+                      </m:r>
+                      <m:r>
+                        <a:rPr lang="en-CA" b="1" i="1">
+                          <a:solidFill>
+                            <a:schemeClr val="accent3"/>
+                          </a:solidFill>
+                          <a:latin typeface="Cambria Math" panose="02040503050406030204" pitchFamily="18" charset="0"/>
+                          <a:ea typeface="Cambria Math" panose="02040503050406030204" pitchFamily="18" charset="0"/>
+                        </a:rPr>
+                        <m:t>𝑷</m:t>
+                      </m:r>
+                      <m:d>
+                        <m:dPr>
+                          <m:ctrlPr>
+                            <a:rPr lang="en-CA" b="1" i="1">
+                              <a:solidFill>
+                                <a:schemeClr val="accent3"/>
+                              </a:solidFill>
+                              <a:latin typeface="Cambria Math" panose="02040503050406030204" pitchFamily="18" charset="0"/>
+                              <a:ea typeface="Cambria Math" panose="02040503050406030204" pitchFamily="18" charset="0"/>
+                            </a:rPr>
+                          </m:ctrlPr>
+                        </m:dPr>
+                        <m:e>
+                          <m:r>
+                            <a:rPr lang="en-CA" b="1" i="1">
+                              <a:solidFill>
+                                <a:schemeClr val="accent3"/>
+                              </a:solidFill>
+                              <a:latin typeface="Cambria Math" panose="02040503050406030204" pitchFamily="18" charset="0"/>
+                              <a:ea typeface="Cambria Math" panose="02040503050406030204" pitchFamily="18" charset="0"/>
+                            </a:rPr>
+                            <m:t>𝒙</m:t>
+                          </m:r>
+                          <m:r>
+                            <a:rPr lang="en-CA" b="1" i="1" smtClean="0">
+                              <a:solidFill>
+                                <a:schemeClr val="accent3"/>
+                              </a:solidFill>
+                              <a:latin typeface="Cambria Math" panose="02040503050406030204" pitchFamily="18" charset="0"/>
+                              <a:ea typeface="Cambria Math" panose="02040503050406030204" pitchFamily="18" charset="0"/>
+                            </a:rPr>
+                            <m:t>|</m:t>
+                          </m:r>
+                          <m:r>
+                            <a:rPr lang="en-CA" b="1" i="1" smtClean="0">
+                              <a:solidFill>
+                                <a:schemeClr val="accent3"/>
+                              </a:solidFill>
+                              <a:latin typeface="Cambria Math" panose="02040503050406030204" pitchFamily="18" charset="0"/>
+                              <a:ea typeface="Cambria Math" panose="02040503050406030204" pitchFamily="18" charset="0"/>
+                            </a:rPr>
+                            <m:t>𝒚</m:t>
+                          </m:r>
+                        </m:e>
+                      </m:d>
+                    </m:oMath>
+                  </m:oMathPara>
+                </a14:m>
+                <a:endParaRPr lang="en-CA" b="1" dirty="0"/>
+              </a:p>
+            </p:txBody>
+          </p:sp>
+        </mc:Choice>
+        <mc:Fallback>
+          <p:sp>
+            <p:nvSpPr>
+              <p:cNvPr id="3" name="Content Placeholder 2">
+                <a:extLst>
+                  <a:ext uri="{FF2B5EF4-FFF2-40B4-BE49-F238E27FC236}">
+                    <a16:creationId xmlns:a16="http://schemas.microsoft.com/office/drawing/2014/main" id="{8D362313-2A65-65B5-2217-5CACE5B30BA3}"/>
+                  </a:ext>
+                </a:extLst>
+              </p:cNvPr>
+              <p:cNvSpPr>
+                <a:spLocks noGrp="1" noRot="1" noChangeAspect="1" noMove="1" noResize="1" noEditPoints="1" noAdjustHandles="1" noChangeArrowheads="1" noChangeShapeType="1" noTextEdit="1"/>
+              </p:cNvSpPr>
+              <p:nvPr>
+                <p:ph idx="1"/>
+              </p:nvPr>
+            </p:nvSpPr>
+            <p:spPr>
+              <a:blipFill>
+                <a:blip r:embed="rId2"/>
+                <a:stretch>
+                  <a:fillRect l="-1391" t="-3081"/>
+                </a:stretch>
+              </a:blipFill>
+            </p:spPr>
+            <p:txBody>
+              <a:bodyPr/>
+              <a:lstStyle/>
+              <a:p>
+                <a:r>
+                  <a:rPr lang="en-US">
+                    <a:noFill/>
+                  </a:rPr>
+                  <a:t> </a:t>
+                </a:r>
+              </a:p>
+            </p:txBody>
+          </p:sp>
+        </mc:Fallback>
+      </mc:AlternateContent>
+      <mc:AlternateContent xmlns:mc="http://schemas.openxmlformats.org/markup-compatibility/2006" xmlns:a14="http://schemas.microsoft.com/office/drawing/2010/main">
+        <mc:Choice Requires="a14">
           <p:sp>
             <p:nvSpPr>
               <p:cNvPr id="4" name="Content Placeholder 2">
@@ -10353,14 +11259,7 @@
                           <a:latin typeface="Cambria Math" panose="02040503050406030204" pitchFamily="18" charset="0"/>
                           <a:ea typeface="Cambria Math" panose="02040503050406030204" pitchFamily="18" charset="0"/>
                         </a:rPr>
-                        <m:t>∝</m:t>
-                      </m:r>
-                      <m:r>
-                        <a:rPr lang="en-CA" b="1" i="1" smtClean="0">
-                          <a:latin typeface="Cambria Math" panose="02040503050406030204" pitchFamily="18" charset="0"/>
-                          <a:ea typeface="Cambria Math" panose="02040503050406030204" pitchFamily="18" charset="0"/>
-                        </a:rPr>
-                        <m:t> </m:t>
+                        <m:t>∝ </m:t>
                       </m:r>
                       <m:f>
                         <m:fPr>
@@ -10565,7 +11464,7 @@
             </p:txBody>
           </p:sp>
         </mc:Choice>
-        <mc:Fallback>
+        <mc:Fallback xmlns="">
           <p:sp>
             <p:nvSpPr>
               <p:cNvPr id="4" name="Content Placeholder 2">
@@ -10589,7 +11488,7 @@
                 <a:avLst/>
               </a:prstGeom>
               <a:blipFill>
-                <a:blip r:embed="rId2"/>
+                <a:blip r:embed="rId3"/>
                 <a:stretch>
                   <a:fillRect/>
                 </a:stretch>
@@ -10623,7 +11522,7 @@
 </p:sld>
 </file>
 
-<file path=ppt/slides/slide24.xml><?xml version="1.0" encoding="utf-8"?>
+<file path=ppt/slides/slide25.xml><?xml version="1.0" encoding="utf-8"?>
 <p:sld xmlns:a="http://schemas.openxmlformats.org/drawingml/2006/main" xmlns:r="http://schemas.openxmlformats.org/officeDocument/2006/relationships" xmlns:p="http://schemas.openxmlformats.org/presentationml/2006/main">
   <p:cSld>
     <p:spTree>
@@ -10760,7 +11659,7 @@
 </p:sld>
 </file>
 
-<file path=ppt/slides/slide25.xml><?xml version="1.0" encoding="utf-8"?>
+<file path=ppt/slides/slide26.xml><?xml version="1.0" encoding="utf-8"?>
 <p:sld xmlns:a="http://schemas.openxmlformats.org/drawingml/2006/main" xmlns:r="http://schemas.openxmlformats.org/officeDocument/2006/relationships" xmlns:p="http://schemas.openxmlformats.org/presentationml/2006/main">
   <p:cSld>
     <p:spTree>
@@ -10896,7 +11795,7 @@
 </p:sld>
 </file>
 
-<file path=ppt/slides/slide26.xml><?xml version="1.0" encoding="utf-8"?>
+<file path=ppt/slides/slide27.xml><?xml version="1.0" encoding="utf-8"?>
 <p:sld xmlns:a="http://schemas.openxmlformats.org/drawingml/2006/main" xmlns:r="http://schemas.openxmlformats.org/officeDocument/2006/relationships" xmlns:p="http://schemas.openxmlformats.org/presentationml/2006/main">
   <p:cSld>
     <p:spTree>
@@ -11043,7 +11942,7 @@
 </p:sld>
 </file>
 
-<file path=ppt/slides/slide27.xml><?xml version="1.0" encoding="utf-8"?>
+<file path=ppt/slides/slide28.xml><?xml version="1.0" encoding="utf-8"?>
 <p:sld xmlns:a="http://schemas.openxmlformats.org/drawingml/2006/main" xmlns:r="http://schemas.openxmlformats.org/officeDocument/2006/relationships" xmlns:p="http://schemas.openxmlformats.org/presentationml/2006/main">
   <p:cSld>
     <p:spTree>
@@ -11115,7 +12014,7 @@
 </p:sld>
 </file>
 
-<file path=ppt/slides/slide28.xml><?xml version="1.0" encoding="utf-8"?>
+<file path=ppt/slides/slide29.xml><?xml version="1.0" encoding="utf-8"?>
 <p:sld xmlns:a="http://schemas.openxmlformats.org/drawingml/2006/main" xmlns:r="http://schemas.openxmlformats.org/officeDocument/2006/relationships" xmlns:p="http://schemas.openxmlformats.org/presentationml/2006/main">
   <p:cSld>
     <p:spTree>
@@ -11248,7 +12147,326 @@
 </p:sld>
 </file>
 
-<file path=ppt/slides/slide29.xml><?xml version="1.0" encoding="utf-8"?>
+<file path=ppt/slides/slide3.xml><?xml version="1.0" encoding="utf-8"?>
+<p:sld xmlns:a="http://schemas.openxmlformats.org/drawingml/2006/main" xmlns:r="http://schemas.openxmlformats.org/officeDocument/2006/relationships" xmlns:p="http://schemas.openxmlformats.org/presentationml/2006/main">
+  <p:cSld>
+    <p:spTree>
+      <p:nvGrpSpPr>
+        <p:cNvPr id="1" name=""/>
+        <p:cNvGrpSpPr/>
+        <p:nvPr/>
+      </p:nvGrpSpPr>
+      <p:grpSpPr>
+        <a:xfrm>
+          <a:off x="0" y="0"/>
+          <a:ext cx="0" cy="0"/>
+          <a:chOff x="0" y="0"/>
+          <a:chExt cx="0" cy="0"/>
+        </a:xfrm>
+      </p:grpSpPr>
+      <p:sp>
+        <p:nvSpPr>
+          <p:cNvPr id="4" name="Content Placeholder 3">
+            <a:extLst>
+              <a:ext uri="{FF2B5EF4-FFF2-40B4-BE49-F238E27FC236}">
+                <a16:creationId xmlns:a16="http://schemas.microsoft.com/office/drawing/2014/main" id="{8AE12D43-9137-DB7C-570B-E48AB2308897}"/>
+              </a:ext>
+            </a:extLst>
+          </p:cNvPr>
+          <p:cNvSpPr>
+            <a:spLocks noGrp="1"/>
+          </p:cNvSpPr>
+          <p:nvPr>
+            <p:ph sz="half" idx="2"/>
+          </p:nvPr>
+        </p:nvSpPr>
+        <p:spPr>
+          <a:xfrm>
+            <a:off x="924887" y="5357337"/>
+            <a:ext cx="3224152" cy="1266357"/>
+          </a:xfrm>
+        </p:spPr>
+        <p:txBody>
+          <a:bodyPr vert="horz" lIns="91440" tIns="45720" rIns="91440" bIns="45720" rtlCol="0" anchor="t">
+            <a:normAutofit/>
+          </a:bodyPr>
+          <a:lstStyle/>
+          <a:p>
+            <a:pPr marL="0" indent="0">
+              <a:buNone/>
+            </a:pPr>
+            <a:r>
+              <a:rPr lang="en-CA" sz="1800" dirty="0"/>
+              <a:t>Location: 550 Sherbrooke Street, Montreal, Quebec</a:t>
+            </a:r>
+          </a:p>
+        </p:txBody>
+      </p:sp>
+      <p:sp>
+        <p:nvSpPr>
+          <p:cNvPr id="8" name="TextBox 7">
+            <a:extLst>
+              <a:ext uri="{FF2B5EF4-FFF2-40B4-BE49-F238E27FC236}">
+                <a16:creationId xmlns:a16="http://schemas.microsoft.com/office/drawing/2014/main" id="{2A92A9C4-6F5B-9A18-012E-5626D25E3582}"/>
+              </a:ext>
+            </a:extLst>
+          </p:cNvPr>
+          <p:cNvSpPr txBox="1"/>
+          <p:nvPr/>
+        </p:nvSpPr>
+        <p:spPr>
+          <a:xfrm>
+            <a:off x="1179181" y="1488185"/>
+            <a:ext cx="6792944" cy="646331"/>
+          </a:xfrm>
+          <a:prstGeom prst="rect">
+            <a:avLst/>
+          </a:prstGeom>
+          <a:noFill/>
+        </p:spPr>
+        <p:txBody>
+          <a:bodyPr wrap="square" lIns="91440" tIns="45720" rIns="91440" bIns="45720" rtlCol="0" anchor="t">
+            <a:spAutoFit/>
+          </a:bodyPr>
+          <a:lstStyle/>
+          <a:p>
+            <a:pPr algn="ctr"/>
+            <a:r>
+              <a:rPr lang="en-CA" sz="1800" u="sng">
+                <a:latin typeface="Helvetica" pitchFamily="2" charset="0"/>
+              </a:rPr>
+              <a:t>Mission statement:</a:t>
+            </a:r>
+            <a:r>
+              <a:rPr lang="en-CA" sz="1800">
+                <a:latin typeface="Helvetica" pitchFamily="2" charset="0"/>
+              </a:rPr>
+              <a:t> d</a:t>
+            </a:r>
+            <a:r>
+              <a:rPr lang="en-CA" sz="1800" b="0" i="0">
+                <a:solidFill>
+                  <a:srgbClr val="000000"/>
+                </a:solidFill>
+                <a:effectLst/>
+                <a:latin typeface="Helvetica" pitchFamily="2" charset="0"/>
+                <a:cs typeface="Calibri"/>
+              </a:rPr>
+              <a:t>eliver quality workshops designed to help biomedical researchers develop the skills they need to succeed.</a:t>
+            </a:r>
+            <a:endParaRPr lang="en-CA" sz="1800">
+              <a:latin typeface="Helvetica" pitchFamily="2" charset="0"/>
+              <a:cs typeface="Calibri"/>
+            </a:endParaRPr>
+          </a:p>
+        </p:txBody>
+      </p:sp>
+      <p:pic>
+        <p:nvPicPr>
+          <p:cNvPr id="10" name="Picture 9" descr="A logo with a letter m&#10;&#10;Description automatically generated">
+            <a:extLst>
+              <a:ext uri="{FF2B5EF4-FFF2-40B4-BE49-F238E27FC236}">
+                <a16:creationId xmlns:a16="http://schemas.microsoft.com/office/drawing/2014/main" id="{E494228A-9E5D-1800-FDEC-760556611BD3}"/>
+              </a:ext>
+            </a:extLst>
+          </p:cNvPr>
+          <p:cNvPicPr>
+            <a:picLocks noChangeAspect="1"/>
+          </p:cNvPicPr>
+          <p:nvPr/>
+        </p:nvPicPr>
+        <p:blipFill>
+          <a:blip r:embed="rId2"/>
+          <a:stretch>
+            <a:fillRect/>
+          </a:stretch>
+        </p:blipFill>
+        <p:spPr>
+          <a:xfrm>
+            <a:off x="2574183" y="123976"/>
+            <a:ext cx="3995634" cy="964279"/>
+          </a:xfrm>
+          <a:prstGeom prst="rect">
+            <a:avLst/>
+          </a:prstGeom>
+        </p:spPr>
+      </p:pic>
+      <p:pic>
+        <p:nvPicPr>
+          <p:cNvPr id="12" name="Picture 11" descr="A qr code with black squares&#10;&#10;Description automatically generated">
+            <a:extLst>
+              <a:ext uri="{FF2B5EF4-FFF2-40B4-BE49-F238E27FC236}">
+                <a16:creationId xmlns:a16="http://schemas.microsoft.com/office/drawing/2014/main" id="{333BAB40-358F-BE60-7494-578A1971B335}"/>
+              </a:ext>
+            </a:extLst>
+          </p:cNvPr>
+          <p:cNvPicPr>
+            <a:picLocks noChangeAspect="1"/>
+          </p:cNvPicPr>
+          <p:nvPr/>
+        </p:nvPicPr>
+        <p:blipFill>
+          <a:blip r:embed="rId3"/>
+          <a:stretch>
+            <a:fillRect/>
+          </a:stretch>
+        </p:blipFill>
+        <p:spPr>
+          <a:xfrm>
+            <a:off x="5518580" y="2808275"/>
+            <a:ext cx="2203814" cy="2203814"/>
+          </a:xfrm>
+          <a:prstGeom prst="rect">
+            <a:avLst/>
+          </a:prstGeom>
+        </p:spPr>
+      </p:pic>
+      <p:sp>
+        <p:nvSpPr>
+          <p:cNvPr id="13" name="TextBox 12">
+            <a:extLst>
+              <a:ext uri="{FF2B5EF4-FFF2-40B4-BE49-F238E27FC236}">
+                <a16:creationId xmlns:a16="http://schemas.microsoft.com/office/drawing/2014/main" id="{174C1E59-2F37-F73C-4DFA-8971D19A54AE}"/>
+              </a:ext>
+            </a:extLst>
+          </p:cNvPr>
+          <p:cNvSpPr txBox="1"/>
+          <p:nvPr/>
+        </p:nvSpPr>
+        <p:spPr>
+          <a:xfrm>
+            <a:off x="4373913" y="5288330"/>
+            <a:ext cx="4632294" cy="646331"/>
+          </a:xfrm>
+          <a:prstGeom prst="rect">
+            <a:avLst/>
+          </a:prstGeom>
+          <a:noFill/>
+        </p:spPr>
+        <p:txBody>
+          <a:bodyPr wrap="square" lIns="91440" tIns="45720" rIns="91440" bIns="45720" rtlCol="0" anchor="t">
+            <a:spAutoFit/>
+          </a:bodyPr>
+          <a:lstStyle/>
+          <a:p>
+            <a:pPr algn="ctr"/>
+            <a:r>
+              <a:rPr lang="en-CA" sz="1800"/>
+              <a:t>Scan the QR code to sign up </a:t>
+            </a:r>
+          </a:p>
+          <a:p>
+            <a:pPr algn="ctr"/>
+            <a:r>
+              <a:rPr lang="en-CA" sz="1800"/>
+              <a:t>for our </a:t>
+            </a:r>
+            <a:r>
+              <a:rPr lang="en-CA" sz="1800" b="1"/>
+              <a:t>mailing list</a:t>
+            </a:r>
+            <a:endParaRPr lang="en-CA" sz="1800"/>
+          </a:p>
+        </p:txBody>
+      </p:sp>
+      <p:sp>
+        <p:nvSpPr>
+          <p:cNvPr id="3" name="TextBox 2">
+            <a:extLst>
+              <a:ext uri="{FF2B5EF4-FFF2-40B4-BE49-F238E27FC236}">
+                <a16:creationId xmlns:a16="http://schemas.microsoft.com/office/drawing/2014/main" id="{8E0D0C58-4777-B836-81EE-F027A53CFFAF}"/>
+              </a:ext>
+            </a:extLst>
+          </p:cNvPr>
+          <p:cNvSpPr txBox="1"/>
+          <p:nvPr/>
+        </p:nvSpPr>
+        <p:spPr>
+          <a:xfrm>
+            <a:off x="2574183" y="6243368"/>
+            <a:ext cx="4596848" cy="369332"/>
+          </a:xfrm>
+          <a:prstGeom prst="rect">
+            <a:avLst/>
+          </a:prstGeom>
+          <a:noFill/>
+        </p:spPr>
+        <p:txBody>
+          <a:bodyPr wrap="square">
+            <a:spAutoFit/>
+          </a:bodyPr>
+          <a:lstStyle/>
+          <a:p>
+            <a:pPr marL="0" indent="0">
+              <a:buNone/>
+            </a:pPr>
+            <a:r>
+              <a:rPr lang="en-CA" sz="1800"/>
+              <a:t>Contact: </a:t>
+            </a:r>
+            <a:r>
+              <a:rPr lang="en-CA" sz="1800">
+                <a:hlinkClick r:id="rId4"/>
+              </a:rPr>
+              <a:t>workshop-micm@mcgill.ca</a:t>
+            </a:r>
+            <a:r>
+              <a:rPr lang="en-CA" sz="1800"/>
+              <a:t> </a:t>
+            </a:r>
+          </a:p>
+        </p:txBody>
+      </p:sp>
+      <p:pic>
+        <p:nvPicPr>
+          <p:cNvPr id="2" name="Picture 1" descr="A map of a city&#10;&#10;Description automatically generated">
+            <a:extLst>
+              <a:ext uri="{FF2B5EF4-FFF2-40B4-BE49-F238E27FC236}">
+                <a16:creationId xmlns:a16="http://schemas.microsoft.com/office/drawing/2014/main" id="{0D7302FE-4674-2672-DBA9-50C4E86C9AA1}"/>
+              </a:ext>
+            </a:extLst>
+          </p:cNvPr>
+          <p:cNvPicPr>
+            <a:picLocks noChangeAspect="1"/>
+          </p:cNvPicPr>
+          <p:nvPr/>
+        </p:nvPicPr>
+        <p:blipFill>
+          <a:blip r:embed="rId5"/>
+          <a:stretch>
+            <a:fillRect/>
+          </a:stretch>
+        </p:blipFill>
+        <p:spPr>
+          <a:xfrm>
+            <a:off x="923193" y="2640892"/>
+            <a:ext cx="2868491" cy="2356534"/>
+          </a:xfrm>
+          <a:prstGeom prst="ellipse">
+            <a:avLst/>
+          </a:prstGeom>
+          <a:ln>
+            <a:noFill/>
+          </a:ln>
+          <a:effectLst>
+            <a:softEdge rad="112500"/>
+          </a:effectLst>
+        </p:spPr>
+      </p:pic>
+    </p:spTree>
+    <p:extLst>
+      <p:ext uri="{BB962C8B-B14F-4D97-AF65-F5344CB8AC3E}">
+        <p14:creationId xmlns:p14="http://schemas.microsoft.com/office/powerpoint/2010/main" val="1324269546"/>
+      </p:ext>
+    </p:extLst>
+  </p:cSld>
+  <p:clrMapOvr>
+    <a:masterClrMapping/>
+  </p:clrMapOvr>
+</p:sld>
+</file>
+
+<file path=ppt/slides/slide30.xml><?xml version="1.0" encoding="utf-8"?>
 <p:sld xmlns:a="http://schemas.openxmlformats.org/drawingml/2006/main" xmlns:r="http://schemas.openxmlformats.org/officeDocument/2006/relationships" xmlns:p="http://schemas.openxmlformats.org/presentationml/2006/main">
   <p:cSld>
     <p:spTree>
@@ -11385,154 +12603,7 @@
 </p:sld>
 </file>
 
-<file path=ppt/slides/slide3.xml><?xml version="1.0" encoding="utf-8"?>
-<p:sld xmlns:a="http://schemas.openxmlformats.org/drawingml/2006/main" xmlns:r="http://schemas.openxmlformats.org/officeDocument/2006/relationships" xmlns:p="http://schemas.openxmlformats.org/presentationml/2006/main">
-  <p:cSld>
-    <p:spTree>
-      <p:nvGrpSpPr>
-        <p:cNvPr id="1" name="">
-          <a:extLst>
-            <a:ext uri="{FF2B5EF4-FFF2-40B4-BE49-F238E27FC236}">
-              <a16:creationId xmlns:a16="http://schemas.microsoft.com/office/drawing/2014/main" id="{C39F2376-9E04-ED70-502E-4CB0F87AB963}"/>
-            </a:ext>
-          </a:extLst>
-        </p:cNvPr>
-        <p:cNvGrpSpPr/>
-        <p:nvPr/>
-      </p:nvGrpSpPr>
-      <p:grpSpPr>
-        <a:xfrm>
-          <a:off x="0" y="0"/>
-          <a:ext cx="0" cy="0"/>
-          <a:chOff x="0" y="0"/>
-          <a:chExt cx="0" cy="0"/>
-        </a:xfrm>
-      </p:grpSpPr>
-      <p:sp>
-        <p:nvSpPr>
-          <p:cNvPr id="17" name="TextBox 16">
-            <a:extLst>
-              <a:ext uri="{FF2B5EF4-FFF2-40B4-BE49-F238E27FC236}">
-                <a16:creationId xmlns:a16="http://schemas.microsoft.com/office/drawing/2014/main" id="{16AE1CEB-BA97-61DD-841E-10CAC5F24A90}"/>
-              </a:ext>
-            </a:extLst>
-          </p:cNvPr>
-          <p:cNvSpPr txBox="1"/>
-          <p:nvPr/>
-        </p:nvSpPr>
-        <p:spPr>
-          <a:xfrm>
-            <a:off x="1739670" y="6132213"/>
-            <a:ext cx="6368498" cy="369460"/>
-          </a:xfrm>
-          <a:prstGeom prst="rect">
-            <a:avLst/>
-          </a:prstGeom>
-          <a:noFill/>
-        </p:spPr>
-        <p:txBody>
-          <a:bodyPr wrap="square">
-            <a:spAutoFit/>
-          </a:bodyPr>
-          <a:lstStyle/>
-          <a:p>
-            <a:r>
-              <a:rPr lang="en-US">
-                <a:latin typeface="Helvetica" pitchFamily="2" charset="0"/>
-                <a:hlinkClick r:id="rId2"/>
-              </a:rPr>
-              <a:t>https://www.mcgill.ca/micm/training/workshops-series</a:t>
-            </a:r>
-            <a:endParaRPr lang="en-US">
-              <a:latin typeface="Helvetica" pitchFamily="2" charset="0"/>
-            </a:endParaRPr>
-          </a:p>
-        </p:txBody>
-      </p:sp>
-      <p:sp>
-        <p:nvSpPr>
-          <p:cNvPr id="2" name="TextBox 1">
-            <a:extLst>
-              <a:ext uri="{FF2B5EF4-FFF2-40B4-BE49-F238E27FC236}">
-                <a16:creationId xmlns:a16="http://schemas.microsoft.com/office/drawing/2014/main" id="{7A59C9E1-04A4-52A1-D609-747888342798}"/>
-              </a:ext>
-            </a:extLst>
-          </p:cNvPr>
-          <p:cNvSpPr txBox="1"/>
-          <p:nvPr/>
-        </p:nvSpPr>
-        <p:spPr>
-          <a:xfrm>
-            <a:off x="0" y="1254370"/>
-            <a:ext cx="8346831" cy="769891"/>
-          </a:xfrm>
-          <a:prstGeom prst="rect">
-            <a:avLst/>
-          </a:prstGeom>
-          <a:noFill/>
-        </p:spPr>
-        <p:txBody>
-          <a:bodyPr wrap="square" rtlCol="0">
-            <a:spAutoFit/>
-          </a:bodyPr>
-          <a:lstStyle/>
-          <a:p>
-            <a:r>
-              <a:rPr lang="en-CA" sz="4403" b="1" dirty="0">
-                <a:latin typeface="+mj-lt"/>
-                <a:ea typeface="+mj-ea"/>
-                <a:cs typeface="+mj-cs"/>
-              </a:rPr>
-              <a:t>Fall Schedule Coming Soon!</a:t>
-            </a:r>
-            <a:endParaRPr lang="en-US" b="1" dirty="0"/>
-          </a:p>
-        </p:txBody>
-      </p:sp>
-      <p:pic>
-        <p:nvPicPr>
-          <p:cNvPr id="4" name="Picture 3">
-            <a:extLst>
-              <a:ext uri="{FF2B5EF4-FFF2-40B4-BE49-F238E27FC236}">
-                <a16:creationId xmlns:a16="http://schemas.microsoft.com/office/drawing/2014/main" id="{AEE780AA-ADF6-68FF-F555-06FDF28FAB67}"/>
-              </a:ext>
-            </a:extLst>
-          </p:cNvPr>
-          <p:cNvPicPr>
-            <a:picLocks noChangeAspect="1"/>
-          </p:cNvPicPr>
-          <p:nvPr/>
-        </p:nvPicPr>
-        <p:blipFill>
-          <a:blip r:embed="rId3"/>
-          <a:stretch>
-            <a:fillRect/>
-          </a:stretch>
-        </p:blipFill>
-        <p:spPr>
-          <a:xfrm>
-            <a:off x="63053" y="2167401"/>
-            <a:ext cx="9017893" cy="3821671"/>
-          </a:xfrm>
-          <a:prstGeom prst="rect">
-            <a:avLst/>
-          </a:prstGeom>
-        </p:spPr>
-      </p:pic>
-    </p:spTree>
-    <p:extLst>
-      <p:ext uri="{BB962C8B-B14F-4D97-AF65-F5344CB8AC3E}">
-        <p14:creationId xmlns:p14="http://schemas.microsoft.com/office/powerpoint/2010/main" val="3301951615"/>
-      </p:ext>
-    </p:extLst>
-  </p:cSld>
-  <p:clrMapOvr>
-    <a:masterClrMapping/>
-  </p:clrMapOvr>
-</p:sld>
-</file>
-
-<file path=ppt/slides/slide30.xml><?xml version="1.0" encoding="utf-8"?>
+<file path=ppt/slides/slide31.xml><?xml version="1.0" encoding="utf-8"?>
 <p:sld xmlns:a="http://schemas.openxmlformats.org/drawingml/2006/main" xmlns:r="http://schemas.openxmlformats.org/officeDocument/2006/relationships" xmlns:p="http://schemas.openxmlformats.org/presentationml/2006/main">
   <p:cSld>
     <p:spTree>
@@ -11591,7 +12662,7 @@
 </p:sld>
 </file>
 
-<file path=ppt/slides/slide31.xml><?xml version="1.0" encoding="utf-8"?>
+<file path=ppt/slides/slide32.xml><?xml version="1.0" encoding="utf-8"?>
 <p:sld xmlns:a="http://schemas.openxmlformats.org/drawingml/2006/main" xmlns:r="http://schemas.openxmlformats.org/officeDocument/2006/relationships" xmlns:p="http://schemas.openxmlformats.org/presentationml/2006/main">
   <p:cSld>
     <p:spTree>
@@ -11637,8 +12708,8 @@
           </a:p>
         </p:txBody>
       </p:sp>
-      <mc:AlternateContent xmlns:mc="http://schemas.openxmlformats.org/markup-compatibility/2006">
-        <mc:Choice xmlns:a14="http://schemas.microsoft.com/office/drawing/2010/main" Requires="a14">
+      <mc:AlternateContent xmlns:mc="http://schemas.openxmlformats.org/markup-compatibility/2006" xmlns:a14="http://schemas.microsoft.com/office/drawing/2010/main">
+        <mc:Choice Requires="a14">
           <p:sp>
             <p:nvSpPr>
               <p:cNvPr id="3" name="Content Placeholder 2">
@@ -12111,7 +13182,7 @@
             </p:txBody>
           </p:sp>
         </mc:Choice>
-        <mc:Fallback>
+        <mc:Fallback xmlns="">
           <p:sp>
             <p:nvSpPr>
               <p:cNvPr id="3" name="Content Placeholder 2">
@@ -12164,7 +13235,7 @@
 </p:sld>
 </file>
 
-<file path=ppt/slides/slide32.xml><?xml version="1.0" encoding="utf-8"?>
+<file path=ppt/slides/slide33.xml><?xml version="1.0" encoding="utf-8"?>
 <p:sld xmlns:a="http://schemas.openxmlformats.org/drawingml/2006/main" xmlns:r="http://schemas.openxmlformats.org/officeDocument/2006/relationships" xmlns:p="http://schemas.openxmlformats.org/presentationml/2006/main">
   <p:cSld>
     <p:spTree>
@@ -12302,7 +13373,7 @@
 </p:sld>
 </file>
 
-<file path=ppt/slides/slide33.xml><?xml version="1.0" encoding="utf-8"?>
+<file path=ppt/slides/slide34.xml><?xml version="1.0" encoding="utf-8"?>
 <p:sld xmlns:a="http://schemas.openxmlformats.org/drawingml/2006/main" xmlns:r="http://schemas.openxmlformats.org/officeDocument/2006/relationships" xmlns:p="http://schemas.openxmlformats.org/presentationml/2006/main">
   <p:cSld>
     <p:spTree>
@@ -12742,7 +13813,7 @@
 </p:sld>
 </file>
 
-<file path=ppt/slides/slide34.xml><?xml version="1.0" encoding="utf-8"?>
+<file path=ppt/slides/slide35.xml><?xml version="1.0" encoding="utf-8"?>
 <p:sld xmlns:a="http://schemas.openxmlformats.org/drawingml/2006/main" xmlns:r="http://schemas.openxmlformats.org/officeDocument/2006/relationships" xmlns:p="http://schemas.openxmlformats.org/presentationml/2006/main">
   <p:cSld>
     <p:spTree>
@@ -12897,7 +13968,7 @@
 </p:sld>
 </file>
 
-<file path=ppt/slides/slide35.xml><?xml version="1.0" encoding="utf-8"?>
+<file path=ppt/slides/slide36.xml><?xml version="1.0" encoding="utf-8"?>
 <p:sld xmlns:a="http://schemas.openxmlformats.org/drawingml/2006/main" xmlns:r="http://schemas.openxmlformats.org/officeDocument/2006/relationships" xmlns:p="http://schemas.openxmlformats.org/presentationml/2006/main">
   <p:cSld>
     <p:spTree>
@@ -12969,7 +14040,7 @@
 </p:sld>
 </file>
 
-<file path=ppt/slides/slide36.xml><?xml version="1.0" encoding="utf-8"?>
+<file path=ppt/slides/slide37.xml><?xml version="1.0" encoding="utf-8"?>
 <p:sld xmlns:a="http://schemas.openxmlformats.org/drawingml/2006/main" xmlns:r="http://schemas.openxmlformats.org/officeDocument/2006/relationships" xmlns:p="http://schemas.openxmlformats.org/presentationml/2006/main">
   <p:cSld>
     <p:spTree>
@@ -13028,7 +14099,7 @@
 </p:sld>
 </file>
 
-<file path=ppt/slides/slide37.xml><?xml version="1.0" encoding="utf-8"?>
+<file path=ppt/slides/slide38.xml><?xml version="1.0" encoding="utf-8"?>
 <p:sld xmlns:a="http://schemas.openxmlformats.org/drawingml/2006/main" xmlns:r="http://schemas.openxmlformats.org/officeDocument/2006/relationships" xmlns:p="http://schemas.openxmlformats.org/presentationml/2006/main">
   <p:cSld>
     <p:spTree>
@@ -13147,7 +14218,7 @@
 </p:sld>
 </file>
 
-<file path=ppt/slides/slide38.xml><?xml version="1.0" encoding="utf-8"?>
+<file path=ppt/slides/slide39.xml><?xml version="1.0" encoding="utf-8"?>
 <p:sld xmlns:a="http://schemas.openxmlformats.org/drawingml/2006/main" xmlns:r="http://schemas.openxmlformats.org/officeDocument/2006/relationships" xmlns:p="http://schemas.openxmlformats.org/presentationml/2006/main">
   <p:cSld>
     <p:spTree>
@@ -13291,7 +14362,154 @@
 </p:sld>
 </file>
 
-<file path=ppt/slides/slide39.xml><?xml version="1.0" encoding="utf-8"?>
+<file path=ppt/slides/slide4.xml><?xml version="1.0" encoding="utf-8"?>
+<p:sld xmlns:a="http://schemas.openxmlformats.org/drawingml/2006/main" xmlns:r="http://schemas.openxmlformats.org/officeDocument/2006/relationships" xmlns:p="http://schemas.openxmlformats.org/presentationml/2006/main">
+  <p:cSld>
+    <p:spTree>
+      <p:nvGrpSpPr>
+        <p:cNvPr id="1" name="">
+          <a:extLst>
+            <a:ext uri="{FF2B5EF4-FFF2-40B4-BE49-F238E27FC236}">
+              <a16:creationId xmlns:a16="http://schemas.microsoft.com/office/drawing/2014/main" id="{C39F2376-9E04-ED70-502E-4CB0F87AB963}"/>
+            </a:ext>
+          </a:extLst>
+        </p:cNvPr>
+        <p:cNvGrpSpPr/>
+        <p:nvPr/>
+      </p:nvGrpSpPr>
+      <p:grpSpPr>
+        <a:xfrm>
+          <a:off x="0" y="0"/>
+          <a:ext cx="0" cy="0"/>
+          <a:chOff x="0" y="0"/>
+          <a:chExt cx="0" cy="0"/>
+        </a:xfrm>
+      </p:grpSpPr>
+      <p:sp>
+        <p:nvSpPr>
+          <p:cNvPr id="17" name="TextBox 16">
+            <a:extLst>
+              <a:ext uri="{FF2B5EF4-FFF2-40B4-BE49-F238E27FC236}">
+                <a16:creationId xmlns:a16="http://schemas.microsoft.com/office/drawing/2014/main" id="{16AE1CEB-BA97-61DD-841E-10CAC5F24A90}"/>
+              </a:ext>
+            </a:extLst>
+          </p:cNvPr>
+          <p:cNvSpPr txBox="1"/>
+          <p:nvPr/>
+        </p:nvSpPr>
+        <p:spPr>
+          <a:xfrm>
+            <a:off x="1739670" y="6132213"/>
+            <a:ext cx="6368498" cy="369460"/>
+          </a:xfrm>
+          <a:prstGeom prst="rect">
+            <a:avLst/>
+          </a:prstGeom>
+          <a:noFill/>
+        </p:spPr>
+        <p:txBody>
+          <a:bodyPr wrap="square">
+            <a:spAutoFit/>
+          </a:bodyPr>
+          <a:lstStyle/>
+          <a:p>
+            <a:r>
+              <a:rPr lang="en-US">
+                <a:latin typeface="Helvetica" pitchFamily="2" charset="0"/>
+                <a:hlinkClick r:id="rId2"/>
+              </a:rPr>
+              <a:t>https://www.mcgill.ca/micm/training/workshops-series</a:t>
+            </a:r>
+            <a:endParaRPr lang="en-US">
+              <a:latin typeface="Helvetica" pitchFamily="2" charset="0"/>
+            </a:endParaRPr>
+          </a:p>
+        </p:txBody>
+      </p:sp>
+      <p:sp>
+        <p:nvSpPr>
+          <p:cNvPr id="2" name="TextBox 1">
+            <a:extLst>
+              <a:ext uri="{FF2B5EF4-FFF2-40B4-BE49-F238E27FC236}">
+                <a16:creationId xmlns:a16="http://schemas.microsoft.com/office/drawing/2014/main" id="{7A59C9E1-04A4-52A1-D609-747888342798}"/>
+              </a:ext>
+            </a:extLst>
+          </p:cNvPr>
+          <p:cNvSpPr txBox="1"/>
+          <p:nvPr/>
+        </p:nvSpPr>
+        <p:spPr>
+          <a:xfrm>
+            <a:off x="0" y="1254370"/>
+            <a:ext cx="8346831" cy="769891"/>
+          </a:xfrm>
+          <a:prstGeom prst="rect">
+            <a:avLst/>
+          </a:prstGeom>
+          <a:noFill/>
+        </p:spPr>
+        <p:txBody>
+          <a:bodyPr wrap="square" rtlCol="0">
+            <a:spAutoFit/>
+          </a:bodyPr>
+          <a:lstStyle/>
+          <a:p>
+            <a:r>
+              <a:rPr lang="en-CA" sz="4403" b="1" dirty="0">
+                <a:latin typeface="+mj-lt"/>
+                <a:ea typeface="+mj-ea"/>
+                <a:cs typeface="+mj-cs"/>
+              </a:rPr>
+              <a:t>Fall Schedule Coming Soon!</a:t>
+            </a:r>
+            <a:endParaRPr lang="en-US" b="1" dirty="0"/>
+          </a:p>
+        </p:txBody>
+      </p:sp>
+      <p:pic>
+        <p:nvPicPr>
+          <p:cNvPr id="4" name="Picture 3">
+            <a:extLst>
+              <a:ext uri="{FF2B5EF4-FFF2-40B4-BE49-F238E27FC236}">
+                <a16:creationId xmlns:a16="http://schemas.microsoft.com/office/drawing/2014/main" id="{AEE780AA-ADF6-68FF-F555-06FDF28FAB67}"/>
+              </a:ext>
+            </a:extLst>
+          </p:cNvPr>
+          <p:cNvPicPr>
+            <a:picLocks noChangeAspect="1"/>
+          </p:cNvPicPr>
+          <p:nvPr/>
+        </p:nvPicPr>
+        <p:blipFill>
+          <a:blip r:embed="rId3"/>
+          <a:stretch>
+            <a:fillRect/>
+          </a:stretch>
+        </p:blipFill>
+        <p:spPr>
+          <a:xfrm>
+            <a:off x="63053" y="2167401"/>
+            <a:ext cx="9017893" cy="3821671"/>
+          </a:xfrm>
+          <a:prstGeom prst="rect">
+            <a:avLst/>
+          </a:prstGeom>
+        </p:spPr>
+      </p:pic>
+    </p:spTree>
+    <p:extLst>
+      <p:ext uri="{BB962C8B-B14F-4D97-AF65-F5344CB8AC3E}">
+        <p14:creationId xmlns:p14="http://schemas.microsoft.com/office/powerpoint/2010/main" val="3301951615"/>
+      </p:ext>
+    </p:extLst>
+  </p:cSld>
+  <p:clrMapOvr>
+    <a:masterClrMapping/>
+  </p:clrMapOvr>
+</p:sld>
+</file>
+
+<file path=ppt/slides/slide40.xml><?xml version="1.0" encoding="utf-8"?>
 <p:sld xmlns:a="http://schemas.openxmlformats.org/drawingml/2006/main" xmlns:r="http://schemas.openxmlformats.org/officeDocument/2006/relationships" xmlns:p="http://schemas.openxmlformats.org/presentationml/2006/main">
   <p:cSld>
     <p:spTree>
@@ -13405,117 +14623,7 @@
 </p:sld>
 </file>
 
-<file path=ppt/slides/slide4.xml><?xml version="1.0" encoding="utf-8"?>
-<p:sld xmlns:a="http://schemas.openxmlformats.org/drawingml/2006/main" xmlns:r="http://schemas.openxmlformats.org/officeDocument/2006/relationships" xmlns:p="http://schemas.openxmlformats.org/presentationml/2006/main">
-  <p:cSld>
-    <p:spTree>
-      <p:nvGrpSpPr>
-        <p:cNvPr id="1" name=""/>
-        <p:cNvGrpSpPr/>
-        <p:nvPr/>
-      </p:nvGrpSpPr>
-      <p:grpSpPr>
-        <a:xfrm>
-          <a:off x="0" y="0"/>
-          <a:ext cx="0" cy="0"/>
-          <a:chOff x="0" y="0"/>
-          <a:chExt cx="0" cy="0"/>
-        </a:xfrm>
-      </p:grpSpPr>
-      <p:sp>
-        <p:nvSpPr>
-          <p:cNvPr id="2" name="Text Placeholder 1">
-            <a:extLst>
-              <a:ext uri="{FF2B5EF4-FFF2-40B4-BE49-F238E27FC236}">
-                <a16:creationId xmlns:a16="http://schemas.microsoft.com/office/drawing/2014/main" id="{66C20009-7FD1-F6CB-B66B-E712D6B250BC}"/>
-              </a:ext>
-            </a:extLst>
-          </p:cNvPr>
-          <p:cNvSpPr>
-            <a:spLocks noGrp="1"/>
-          </p:cNvSpPr>
-          <p:nvPr>
-            <p:ph type="body" sz="quarter" idx="10"/>
-          </p:nvPr>
-        </p:nvSpPr>
-        <p:spPr/>
-        <p:txBody>
-          <a:bodyPr/>
-          <a:lstStyle/>
-          <a:p>
-            <a:pPr marL="0" indent="0">
-              <a:buNone/>
-            </a:pPr>
-            <a:r>
-              <a:rPr lang="en-CA" dirty="0"/>
-              <a:t>Acknowledgements</a:t>
-            </a:r>
-          </a:p>
-          <a:p>
-            <a:pPr marL="0" indent="0">
-              <a:buNone/>
-            </a:pPr>
-            <a:endParaRPr lang="en-CA" dirty="0"/>
-          </a:p>
-          <a:p>
-            <a:r>
-              <a:rPr lang="en-CA" dirty="0"/>
-              <a:t>MATH559 (David Stephens)</a:t>
-            </a:r>
-          </a:p>
-          <a:p>
-            <a:r>
-              <a:rPr lang="en-CA" dirty="0"/>
-              <a:t>Bayesian Inference 2019 (</a:t>
-            </a:r>
-            <a:r>
-              <a:rPr lang="en-US" dirty="0"/>
-              <a:t>Ville </a:t>
-            </a:r>
-            <a:r>
-              <a:rPr lang="en-US" dirty="0" err="1"/>
-              <a:t>Hyvönen</a:t>
-            </a:r>
-            <a:r>
-              <a:rPr lang="en-US" dirty="0"/>
-              <a:t> &amp; </a:t>
-            </a:r>
-            <a:r>
-              <a:rPr lang="en-US" dirty="0" err="1"/>
-              <a:t>Topias</a:t>
-            </a:r>
-            <a:r>
-              <a:rPr lang="en-US" dirty="0"/>
-              <a:t> </a:t>
-            </a:r>
-            <a:r>
-              <a:rPr lang="en-US" dirty="0" err="1"/>
-              <a:t>Tolonen</a:t>
-            </a:r>
-            <a:r>
-              <a:rPr lang="en-CA" dirty="0"/>
-              <a:t>)</a:t>
-            </a:r>
-          </a:p>
-          <a:p>
-            <a:endParaRPr lang="en-US" dirty="0"/>
-          </a:p>
-        </p:txBody>
-      </p:sp>
-    </p:spTree>
-    <p:extLst>
-      <p:ext uri="{BB962C8B-B14F-4D97-AF65-F5344CB8AC3E}">
-        <p14:creationId xmlns:p14="http://schemas.microsoft.com/office/powerpoint/2010/main" val="547695923"/>
-      </p:ext>
-    </p:extLst>
-  </p:cSld>
-  <p:clrMapOvr>
-    <a:masterClrMapping/>
-  </p:clrMapOvr>
-</p:sld>
-</file>
-
-<file path=ppt/slides/slide40.xml><?xml version="1.0" encoding="utf-8"?>
+<file path=ppt/slides/slide41.xml><?xml version="1.0" encoding="utf-8"?>
 <p:sld xmlns:a="http://schemas.openxmlformats.org/drawingml/2006/main" xmlns:r="http://schemas.openxmlformats.org/officeDocument/2006/relationships" xmlns:p="http://schemas.openxmlformats.org/presentationml/2006/main">
   <p:cSld>
     <p:spTree>
@@ -13561,8 +14669,8 @@
           </a:p>
         </p:txBody>
       </p:sp>
-      <mc:AlternateContent xmlns:mc="http://schemas.openxmlformats.org/markup-compatibility/2006">
-        <mc:Choice xmlns:a14="http://schemas.microsoft.com/office/drawing/2010/main" Requires="a14">
+      <mc:AlternateContent xmlns:mc="http://schemas.openxmlformats.org/markup-compatibility/2006" xmlns:a14="http://schemas.microsoft.com/office/drawing/2010/main">
+        <mc:Choice Requires="a14">
           <p:sp>
             <p:nvSpPr>
               <p:cNvPr id="3" name="Content Placeholder 2">
@@ -13812,7 +14920,7 @@
             </p:txBody>
           </p:sp>
         </mc:Choice>
-        <mc:Fallback>
+        <mc:Fallback xmlns="">
           <p:sp>
             <p:nvSpPr>
               <p:cNvPr id="3" name="Content Placeholder 2">
@@ -13865,7 +14973,7 @@
 </p:sld>
 </file>
 
-<file path=ppt/slides/slide41.xml><?xml version="1.0" encoding="utf-8"?>
+<file path=ppt/slides/slide42.xml><?xml version="1.0" encoding="utf-8"?>
 <p:sld xmlns:a="http://schemas.openxmlformats.org/drawingml/2006/main" xmlns:r="http://schemas.openxmlformats.org/officeDocument/2006/relationships" xmlns:p="http://schemas.openxmlformats.org/presentationml/2006/main">
   <p:cSld>
     <p:spTree>
@@ -13953,7 +15061,7 @@
 </p:sld>
 </file>
 
-<file path=ppt/slides/slide42.xml><?xml version="1.0" encoding="utf-8"?>
+<file path=ppt/slides/slide43.xml><?xml version="1.0" encoding="utf-8"?>
 <p:sld xmlns:a="http://schemas.openxmlformats.org/drawingml/2006/main" xmlns:r="http://schemas.openxmlformats.org/officeDocument/2006/relationships" xmlns:p="http://schemas.openxmlformats.org/presentationml/2006/main">
   <p:cSld>
     <p:spTree>
@@ -14027,7 +15135,7 @@
 </p:sld>
 </file>
 
-<file path=ppt/slides/slide43.xml><?xml version="1.0" encoding="utf-8"?>
+<file path=ppt/slides/slide44.xml><?xml version="1.0" encoding="utf-8"?>
 <p:sld xmlns:a="http://schemas.openxmlformats.org/drawingml/2006/main" xmlns:r="http://schemas.openxmlformats.org/officeDocument/2006/relationships" xmlns:p="http://schemas.openxmlformats.org/presentationml/2006/main">
   <p:cSld>
     <p:spTree>
@@ -14506,6 +15614,116 @@
 </file>
 
 <file path=ppt/slides/slide5.xml><?xml version="1.0" encoding="utf-8"?>
+<p:sld xmlns:a="http://schemas.openxmlformats.org/drawingml/2006/main" xmlns:r="http://schemas.openxmlformats.org/officeDocument/2006/relationships" xmlns:p="http://schemas.openxmlformats.org/presentationml/2006/main">
+  <p:cSld>
+    <p:spTree>
+      <p:nvGrpSpPr>
+        <p:cNvPr id="1" name=""/>
+        <p:cNvGrpSpPr/>
+        <p:nvPr/>
+      </p:nvGrpSpPr>
+      <p:grpSpPr>
+        <a:xfrm>
+          <a:off x="0" y="0"/>
+          <a:ext cx="0" cy="0"/>
+          <a:chOff x="0" y="0"/>
+          <a:chExt cx="0" cy="0"/>
+        </a:xfrm>
+      </p:grpSpPr>
+      <p:sp>
+        <p:nvSpPr>
+          <p:cNvPr id="2" name="Text Placeholder 1">
+            <a:extLst>
+              <a:ext uri="{FF2B5EF4-FFF2-40B4-BE49-F238E27FC236}">
+                <a16:creationId xmlns:a16="http://schemas.microsoft.com/office/drawing/2014/main" id="{66C20009-7FD1-F6CB-B66B-E712D6B250BC}"/>
+              </a:ext>
+            </a:extLst>
+          </p:cNvPr>
+          <p:cNvSpPr>
+            <a:spLocks noGrp="1"/>
+          </p:cNvSpPr>
+          <p:nvPr>
+            <p:ph type="body" sz="quarter" idx="10"/>
+          </p:nvPr>
+        </p:nvSpPr>
+        <p:spPr/>
+        <p:txBody>
+          <a:bodyPr/>
+          <a:lstStyle/>
+          <a:p>
+            <a:pPr marL="0" indent="0">
+              <a:buNone/>
+            </a:pPr>
+            <a:r>
+              <a:rPr lang="en-CA" dirty="0"/>
+              <a:t>Acknowledgements</a:t>
+            </a:r>
+          </a:p>
+          <a:p>
+            <a:pPr marL="0" indent="0">
+              <a:buNone/>
+            </a:pPr>
+            <a:endParaRPr lang="en-CA" dirty="0"/>
+          </a:p>
+          <a:p>
+            <a:r>
+              <a:rPr lang="en-CA" dirty="0"/>
+              <a:t>MATH559 (David Stephens)</a:t>
+            </a:r>
+          </a:p>
+          <a:p>
+            <a:r>
+              <a:rPr lang="en-CA" dirty="0"/>
+              <a:t>Bayesian Inference 2019 (</a:t>
+            </a:r>
+            <a:r>
+              <a:rPr lang="en-US" dirty="0"/>
+              <a:t>Ville </a:t>
+            </a:r>
+            <a:r>
+              <a:rPr lang="en-US" dirty="0" err="1"/>
+              <a:t>Hyvönen</a:t>
+            </a:r>
+            <a:r>
+              <a:rPr lang="en-US" dirty="0"/>
+              <a:t> &amp; </a:t>
+            </a:r>
+            <a:r>
+              <a:rPr lang="en-US" dirty="0" err="1"/>
+              <a:t>Topias</a:t>
+            </a:r>
+            <a:r>
+              <a:rPr lang="en-US" dirty="0"/>
+              <a:t> </a:t>
+            </a:r>
+            <a:r>
+              <a:rPr lang="en-US" dirty="0" err="1"/>
+              <a:t>Tolonen</a:t>
+            </a:r>
+            <a:r>
+              <a:rPr lang="en-CA" dirty="0"/>
+              <a:t>)</a:t>
+            </a:r>
+          </a:p>
+          <a:p>
+            <a:endParaRPr lang="en-US" dirty="0"/>
+          </a:p>
+        </p:txBody>
+      </p:sp>
+    </p:spTree>
+    <p:extLst>
+      <p:ext uri="{BB962C8B-B14F-4D97-AF65-F5344CB8AC3E}">
+        <p14:creationId xmlns:p14="http://schemas.microsoft.com/office/powerpoint/2010/main" val="547695923"/>
+      </p:ext>
+    </p:extLst>
+  </p:cSld>
+  <p:clrMapOvr>
+    <a:masterClrMapping/>
+  </p:clrMapOvr>
+</p:sld>
+</file>
+
+<file path=ppt/slides/slide6.xml><?xml version="1.0" encoding="utf-8"?>
 <p:sld xmlns:a="http://schemas.openxmlformats.org/drawingml/2006/main" xmlns:r="http://schemas.openxmlformats.org/officeDocument/2006/relationships" xmlns:p="http://schemas.openxmlformats.org/presentationml/2006/main">
   <p:cSld>
     <p:spTree>
@@ -15542,7 +16760,7 @@
 </p:sld>
 </file>
 
-<file path=ppt/slides/slide6.xml><?xml version="1.0" encoding="utf-8"?>
+<file path=ppt/slides/slide7.xml><?xml version="1.0" encoding="utf-8"?>
 <p:sld xmlns:a="http://schemas.openxmlformats.org/drawingml/2006/main" xmlns:r="http://schemas.openxmlformats.org/officeDocument/2006/relationships" xmlns:p="http://schemas.openxmlformats.org/presentationml/2006/main">
   <p:cSld>
     <p:spTree>
@@ -15608,7 +16826,7 @@
 </p:sld>
 </file>
 
-<file path=ppt/slides/slide7.xml><?xml version="1.0" encoding="utf-8"?>
+<file path=ppt/slides/slide8.xml><?xml version="1.0" encoding="utf-8"?>
 <p:sld xmlns:a="http://schemas.openxmlformats.org/drawingml/2006/main" xmlns:r="http://schemas.openxmlformats.org/officeDocument/2006/relationships" xmlns:p="http://schemas.openxmlformats.org/presentationml/2006/main">
   <p:cSld>
     <p:spTree>
@@ -16007,7 +17225,7 @@
 </p:sld>
 </file>
 
-<file path=ppt/slides/slide8.xml><?xml version="1.0" encoding="utf-8"?>
+<file path=ppt/slides/slide9.xml><?xml version="1.0" encoding="utf-8"?>
 <p:sld xmlns:a="http://schemas.openxmlformats.org/drawingml/2006/main" xmlns:r="http://schemas.openxmlformats.org/officeDocument/2006/relationships" xmlns:p="http://schemas.openxmlformats.org/presentationml/2006/main">
   <p:cSld>
     <p:spTree>
@@ -16158,580 +17376,6 @@
     <p:extLst>
       <p:ext uri="{BB962C8B-B14F-4D97-AF65-F5344CB8AC3E}">
         <p14:creationId xmlns:p14="http://schemas.microsoft.com/office/powerpoint/2010/main" val="1928312124"/>
-      </p:ext>
-    </p:extLst>
-  </p:cSld>
-  <p:clrMapOvr>
-    <a:masterClrMapping/>
-  </p:clrMapOvr>
-</p:sld>
-</file>
-
-<file path=ppt/slides/slide9.xml><?xml version="1.0" encoding="utf-8"?>
-<p:sld xmlns:a="http://schemas.openxmlformats.org/drawingml/2006/main" xmlns:r="http://schemas.openxmlformats.org/officeDocument/2006/relationships" xmlns:p="http://schemas.openxmlformats.org/presentationml/2006/main">
-  <p:cSld>
-    <p:spTree>
-      <p:nvGrpSpPr>
-        <p:cNvPr id="1" name=""/>
-        <p:cNvGrpSpPr/>
-        <p:nvPr/>
-      </p:nvGrpSpPr>
-      <p:grpSpPr>
-        <a:xfrm>
-          <a:off x="0" y="0"/>
-          <a:ext cx="0" cy="0"/>
-          <a:chOff x="0" y="0"/>
-          <a:chExt cx="0" cy="0"/>
-        </a:xfrm>
-      </p:grpSpPr>
-      <p:sp>
-        <p:nvSpPr>
-          <p:cNvPr id="2" name="Title 1">
-            <a:extLst>
-              <a:ext uri="{FF2B5EF4-FFF2-40B4-BE49-F238E27FC236}">
-                <a16:creationId xmlns:a16="http://schemas.microsoft.com/office/drawing/2014/main" id="{E8487F19-E0F7-6BA6-8ACF-74228A967296}"/>
-              </a:ext>
-            </a:extLst>
-          </p:cNvPr>
-          <p:cNvSpPr>
-            <a:spLocks noGrp="1"/>
-          </p:cNvSpPr>
-          <p:nvPr>
-            <p:ph type="title"/>
-          </p:nvPr>
-        </p:nvSpPr>
-        <p:spPr/>
-        <p:txBody>
-          <a:bodyPr/>
-          <a:lstStyle/>
-          <a:p>
-            <a:r>
-              <a:rPr lang="en-CA" dirty="0"/>
-              <a:t>Thumbtack Problem</a:t>
-            </a:r>
-            <a:endParaRPr lang="en-US" dirty="0"/>
-          </a:p>
-        </p:txBody>
-      </p:sp>
-      <mc:AlternateContent xmlns:mc="http://schemas.openxmlformats.org/markup-compatibility/2006" xmlns:a14="http://schemas.microsoft.com/office/drawing/2010/main">
-        <mc:Choice Requires="a14">
-          <p:sp>
-            <p:nvSpPr>
-              <p:cNvPr id="3" name="Content Placeholder 2">
-                <a:extLst>
-                  <a:ext uri="{FF2B5EF4-FFF2-40B4-BE49-F238E27FC236}">
-                    <a16:creationId xmlns:a16="http://schemas.microsoft.com/office/drawing/2014/main" id="{7577937E-E5AF-2A85-C05C-3CA600C253C2}"/>
-                  </a:ext>
-                </a:extLst>
-              </p:cNvPr>
-              <p:cNvSpPr>
-                <a:spLocks noGrp="1"/>
-              </p:cNvSpPr>
-              <p:nvPr>
-                <p:ph idx="1"/>
-              </p:nvPr>
-            </p:nvSpPr>
-            <p:spPr/>
-            <p:txBody>
-              <a:bodyPr/>
-              <a:lstStyle/>
-              <a:p>
-                <a:r>
-                  <a:rPr lang="en-CA" dirty="0"/>
-                  <a:t>Simple approach: </a:t>
-                </a:r>
-              </a:p>
-              <a:p>
-                <a:pPr lvl="1"/>
-                <a14:m>
-                  <m:oMath xmlns:m="http://schemas.openxmlformats.org/officeDocument/2006/math">
-                    <m:r>
-                      <m:rPr>
-                        <m:sty m:val="p"/>
-                      </m:rPr>
-                      <a:rPr lang="el-GR" i="1" dirty="0" smtClean="0">
-                        <a:latin typeface="Cambria Math" panose="02040503050406030204" pitchFamily="18" charset="0"/>
-                      </a:rPr>
-                      <m:t>Θ</m:t>
-                    </m:r>
-                    <m:r>
-                      <a:rPr lang="en-CA" b="0" i="1" dirty="0" smtClean="0">
-                        <a:latin typeface="Cambria Math" panose="02040503050406030204" pitchFamily="18" charset="0"/>
-                      </a:rPr>
-                      <m:t>=</m:t>
-                    </m:r>
-                    <m:f>
-                      <m:fPr>
-                        <m:ctrlPr>
-                          <a:rPr lang="en-CA" b="0" i="1" dirty="0" smtClean="0">
-                            <a:latin typeface="Cambria Math" panose="02040503050406030204" pitchFamily="18" charset="0"/>
-                          </a:rPr>
-                        </m:ctrlPr>
-                      </m:fPr>
-                      <m:num>
-                        <m:sSub>
-                          <m:sSubPr>
-                            <m:ctrlPr>
-                              <a:rPr lang="en-CA" b="0" i="1" dirty="0" smtClean="0">
-                                <a:latin typeface="Cambria Math" panose="02040503050406030204" pitchFamily="18" charset="0"/>
-                              </a:rPr>
-                            </m:ctrlPr>
-                          </m:sSubPr>
-                          <m:e>
-                            <m:r>
-                              <a:rPr lang="en-CA" b="0" i="1" dirty="0" smtClean="0">
-                                <a:latin typeface="Cambria Math" panose="02040503050406030204" pitchFamily="18" charset="0"/>
-                              </a:rPr>
-                              <m:t>𝑠</m:t>
-                            </m:r>
-                          </m:e>
-                          <m:sub>
-                            <m:r>
-                              <a:rPr lang="en-CA" b="0" i="1" dirty="0" smtClean="0">
-                                <a:latin typeface="Cambria Math" panose="02040503050406030204" pitchFamily="18" charset="0"/>
-                              </a:rPr>
-                              <m:t>𝑛</m:t>
-                            </m:r>
-                          </m:sub>
-                        </m:sSub>
-                      </m:num>
-                      <m:den>
-                        <m:r>
-                          <a:rPr lang="en-CA" b="0" i="1" dirty="0" smtClean="0">
-                            <a:latin typeface="Cambria Math" panose="02040503050406030204" pitchFamily="18" charset="0"/>
-                          </a:rPr>
-                          <m:t>𝑛</m:t>
-                        </m:r>
-                      </m:den>
-                    </m:f>
-                  </m:oMath>
-                </a14:m>
-                <a:endParaRPr lang="en-US" dirty="0"/>
-              </a:p>
-              <a:p>
-                <a:pPr lvl="1"/>
-                <a:r>
-                  <a:rPr lang="en-US" dirty="0"/>
-                  <a:t>Where </a:t>
-                </a:r>
-                <a14:m>
-                  <m:oMath xmlns:m="http://schemas.openxmlformats.org/officeDocument/2006/math">
-                    <m:sSub>
-                      <m:sSubPr>
-                        <m:ctrlPr>
-                          <a:rPr lang="en-CA" b="0" i="1" dirty="0" smtClean="0">
-                            <a:latin typeface="Cambria Math" panose="02040503050406030204" pitchFamily="18" charset="0"/>
-                          </a:rPr>
-                        </m:ctrlPr>
-                      </m:sSubPr>
-                      <m:e>
-                        <m:r>
-                          <a:rPr lang="en-CA" b="0" i="1" dirty="0" smtClean="0">
-                            <a:latin typeface="Cambria Math" panose="02040503050406030204" pitchFamily="18" charset="0"/>
-                          </a:rPr>
-                          <m:t>𝑠</m:t>
-                        </m:r>
-                      </m:e>
-                      <m:sub>
-                        <m:r>
-                          <a:rPr lang="en-CA" b="0" i="1" dirty="0" smtClean="0">
-                            <a:latin typeface="Cambria Math" panose="02040503050406030204" pitchFamily="18" charset="0"/>
-                          </a:rPr>
-                          <m:t>𝑛</m:t>
-                        </m:r>
-                      </m:sub>
-                    </m:sSub>
-                  </m:oMath>
-                </a14:m>
-                <a:r>
-                  <a:rPr lang="en-US" dirty="0"/>
-                  <a:t> is the number of successes in n trials.</a:t>
-                </a:r>
-              </a:p>
-              <a:p>
-                <a:pPr lvl="1"/>
-                <a:r>
-                  <a:rPr lang="en-US" dirty="0"/>
-                  <a:t>Requires </a:t>
-                </a:r>
-                <a:r>
-                  <a:rPr lang="en-US" b="1" dirty="0"/>
-                  <a:t>a large sample size </a:t>
-                </a:r>
-                <a:r>
-                  <a:rPr lang="en-US" dirty="0"/>
-                  <a:t>to be accurate</a:t>
-                </a:r>
-              </a:p>
-              <a:p>
-                <a14:m>
-                  <m:oMath xmlns:m="http://schemas.openxmlformats.org/officeDocument/2006/math">
-                    <m:r>
-                      <a:rPr lang="en-CA" b="0" i="1" dirty="0" smtClean="0">
-                        <a:latin typeface="Cambria Math" panose="02040503050406030204" pitchFamily="18" charset="0"/>
-                      </a:rPr>
-                      <m:t> </m:t>
-                    </m:r>
-                    <m:sSub>
-                      <m:sSubPr>
-                        <m:ctrlPr>
-                          <a:rPr lang="en-CA" b="0" i="1" dirty="0" smtClean="0">
-                            <a:latin typeface="Cambria Math" panose="02040503050406030204" pitchFamily="18" charset="0"/>
-                          </a:rPr>
-                        </m:ctrlPr>
-                      </m:sSubPr>
-                      <m:e>
-                        <m:r>
-                          <a:rPr lang="en-CA" b="0" i="1" dirty="0" smtClean="0">
-                            <a:latin typeface="Cambria Math" panose="02040503050406030204" pitchFamily="18" charset="0"/>
-                          </a:rPr>
-                          <m:t>𝑠</m:t>
-                        </m:r>
-                      </m:e>
-                      <m:sub>
-                        <m:r>
-                          <a:rPr lang="en-CA" b="0" i="1" dirty="0" smtClean="0">
-                            <a:latin typeface="Cambria Math" panose="02040503050406030204" pitchFamily="18" charset="0"/>
-                          </a:rPr>
-                          <m:t>𝑛</m:t>
-                        </m:r>
-                      </m:sub>
-                    </m:sSub>
-                    <m:r>
-                      <a:rPr lang="en-CA" b="0" i="1" dirty="0" smtClean="0">
-                        <a:latin typeface="Cambria Math" panose="02040503050406030204" pitchFamily="18" charset="0"/>
-                      </a:rPr>
-                      <m:t>~ </m:t>
-                    </m:r>
-                    <m:r>
-                      <a:rPr lang="en-CA" b="0" i="1" dirty="0" smtClean="0">
-                        <a:latin typeface="Cambria Math" panose="02040503050406030204" pitchFamily="18" charset="0"/>
-                      </a:rPr>
-                      <m:t>𝐵𝑖𝑛</m:t>
-                    </m:r>
-                    <m:r>
-                      <a:rPr lang="en-CA" b="0" i="1" dirty="0" smtClean="0">
-                        <a:latin typeface="Cambria Math" panose="02040503050406030204" pitchFamily="18" charset="0"/>
-                      </a:rPr>
-                      <m:t>(</m:t>
-                    </m:r>
-                    <m:r>
-                      <a:rPr lang="en-CA" b="0" i="1" dirty="0" smtClean="0">
-                        <a:latin typeface="Cambria Math" panose="02040503050406030204" pitchFamily="18" charset="0"/>
-                      </a:rPr>
-                      <m:t>𝑛</m:t>
-                    </m:r>
-                    <m:r>
-                      <a:rPr lang="en-CA" b="0" i="1" dirty="0" smtClean="0">
-                        <a:latin typeface="Cambria Math" panose="02040503050406030204" pitchFamily="18" charset="0"/>
-                      </a:rPr>
-                      <m:t>,</m:t>
-                    </m:r>
-                    <m:r>
-                      <a:rPr lang="en-CA" b="0" i="1" dirty="0" smtClean="0">
-                        <a:latin typeface="Cambria Math" panose="02040503050406030204" pitchFamily="18" charset="0"/>
-                        <a:ea typeface="Cambria Math" panose="02040503050406030204" pitchFamily="18" charset="0"/>
-                      </a:rPr>
-                      <m:t>𝜃</m:t>
-                    </m:r>
-                    <m:r>
-                      <a:rPr lang="en-CA" b="0" i="1" dirty="0" smtClean="0">
-                        <a:latin typeface="Cambria Math" panose="02040503050406030204" pitchFamily="18" charset="0"/>
-                        <a:ea typeface="Cambria Math" panose="02040503050406030204" pitchFamily="18" charset="0"/>
-                      </a:rPr>
-                      <m:t>)</m:t>
-                    </m:r>
-                  </m:oMath>
-                </a14:m>
-                <a:endParaRPr lang="en-US" dirty="0"/>
-              </a:p>
-              <a:p>
-                <a:pPr lvl="1"/>
-                <a:r>
-                  <a:rPr lang="en-US" b="1" dirty="0"/>
-                  <a:t>Generative Process for </a:t>
-                </a:r>
-                <a14:m>
-                  <m:oMath xmlns:m="http://schemas.openxmlformats.org/officeDocument/2006/math">
-                    <m:sSub>
-                      <m:sSubPr>
-                        <m:ctrlPr>
-                          <a:rPr lang="en-CA" b="1" i="1" dirty="0" smtClean="0">
-                            <a:latin typeface="Cambria Math" panose="02040503050406030204" pitchFamily="18" charset="0"/>
-                          </a:rPr>
-                        </m:ctrlPr>
-                      </m:sSubPr>
-                      <m:e>
-                        <m:r>
-                          <a:rPr lang="en-CA" b="1" i="1" dirty="0" smtClean="0">
-                            <a:latin typeface="Cambria Math" panose="02040503050406030204" pitchFamily="18" charset="0"/>
-                          </a:rPr>
-                          <m:t>𝒔</m:t>
-                        </m:r>
-                      </m:e>
-                      <m:sub>
-                        <m:r>
-                          <a:rPr lang="en-CA" b="1" i="1" dirty="0" smtClean="0">
-                            <a:latin typeface="Cambria Math" panose="02040503050406030204" pitchFamily="18" charset="0"/>
-                          </a:rPr>
-                          <m:t>𝒏</m:t>
-                        </m:r>
-                      </m:sub>
-                    </m:sSub>
-                  </m:oMath>
-                </a14:m>
-                <a:r>
-                  <a:rPr lang="en-US" b="1" dirty="0"/>
-                  <a:t> </a:t>
-                </a:r>
-              </a:p>
-              <a:p>
-                <a:pPr lvl="1"/>
-                <a:endParaRPr lang="en-US" b="1" dirty="0"/>
-              </a:p>
-              <a:p>
-                <a:endParaRPr lang="en-US" b="1" dirty="0"/>
-              </a:p>
-            </p:txBody>
-          </p:sp>
-        </mc:Choice>
-        <mc:Fallback xmlns="">
-          <p:sp>
-            <p:nvSpPr>
-              <p:cNvPr id="3" name="Content Placeholder 2">
-                <a:extLst>
-                  <a:ext uri="{FF2B5EF4-FFF2-40B4-BE49-F238E27FC236}">
-                    <a16:creationId xmlns:a16="http://schemas.microsoft.com/office/drawing/2014/main" id="{7577937E-E5AF-2A85-C05C-3CA600C253C2}"/>
-                  </a:ext>
-                </a:extLst>
-              </p:cNvPr>
-              <p:cNvSpPr>
-                <a:spLocks noGrp="1" noRot="1" noChangeAspect="1" noMove="1" noResize="1" noEditPoints="1" noAdjustHandles="1" noChangeArrowheads="1" noChangeShapeType="1" noTextEdit="1"/>
-              </p:cNvSpPr>
-              <p:nvPr>
-                <p:ph idx="1"/>
-              </p:nvPr>
-            </p:nvSpPr>
-            <p:spPr>
-              <a:blipFill>
-                <a:blip r:embed="rId2"/>
-                <a:stretch>
-                  <a:fillRect l="-1391" t="-2241"/>
-                </a:stretch>
-              </a:blipFill>
-            </p:spPr>
-            <p:txBody>
-              <a:bodyPr/>
-              <a:lstStyle/>
-              <a:p>
-                <a:r>
-                  <a:rPr lang="en-US">
-                    <a:noFill/>
-                  </a:rPr>
-                  <a:t> </a:t>
-                </a:r>
-              </a:p>
-            </p:txBody>
-          </p:sp>
-        </mc:Fallback>
-      </mc:AlternateContent>
-      <p:pic>
-        <p:nvPicPr>
-          <p:cNvPr id="5" name="Picture 4">
-            <a:extLst>
-              <a:ext uri="{FF2B5EF4-FFF2-40B4-BE49-F238E27FC236}">
-                <a16:creationId xmlns:a16="http://schemas.microsoft.com/office/drawing/2014/main" id="{28979E0E-832D-97D3-8A95-95895C47D641}"/>
-              </a:ext>
-            </a:extLst>
-          </p:cNvPr>
-          <p:cNvPicPr>
-            <a:picLocks noChangeAspect="1"/>
-          </p:cNvPicPr>
-          <p:nvPr/>
-        </p:nvPicPr>
-        <p:blipFill>
-          <a:blip r:embed="rId3"/>
-          <a:stretch>
-            <a:fillRect/>
-          </a:stretch>
-        </p:blipFill>
-        <p:spPr>
-          <a:xfrm>
-            <a:off x="1438197" y="4561038"/>
-            <a:ext cx="5572202" cy="1310131"/>
-          </a:xfrm>
-          <a:prstGeom prst="rect">
-            <a:avLst/>
-          </a:prstGeom>
-        </p:spPr>
-      </p:pic>
-      <p:sp>
-        <p:nvSpPr>
-          <p:cNvPr id="6" name="TextBox 5">
-            <a:extLst>
-              <a:ext uri="{FF2B5EF4-FFF2-40B4-BE49-F238E27FC236}">
-                <a16:creationId xmlns:a16="http://schemas.microsoft.com/office/drawing/2014/main" id="{7613D945-2286-4D8F-1CB5-FCABC0471149}"/>
-              </a:ext>
-            </a:extLst>
-          </p:cNvPr>
-          <p:cNvSpPr txBox="1"/>
-          <p:nvPr/>
-        </p:nvSpPr>
-        <p:spPr>
-          <a:xfrm>
-            <a:off x="1770183" y="5654606"/>
-            <a:ext cx="5240216" cy="369460"/>
-          </a:xfrm>
-          <a:prstGeom prst="rect">
-            <a:avLst/>
-          </a:prstGeom>
-          <a:noFill/>
-        </p:spPr>
-        <p:txBody>
-          <a:bodyPr wrap="square" rtlCol="0">
-            <a:spAutoFit/>
-          </a:bodyPr>
-          <a:lstStyle/>
-          <a:p>
-            <a:r>
-              <a:rPr lang="en-CA" dirty="0"/>
-              <a:t>Binomial Probability Mass Function – </a:t>
-            </a:r>
-            <a:r>
-              <a:rPr lang="en-CA" b="1" dirty="0"/>
-              <a:t>Our Likelihood</a:t>
-            </a:r>
-            <a:endParaRPr lang="en-US" dirty="0"/>
-          </a:p>
-        </p:txBody>
-      </p:sp>
-      <p:grpSp>
-        <p:nvGrpSpPr>
-          <p:cNvPr id="7" name="Group 6">
-            <a:extLst>
-              <a:ext uri="{FF2B5EF4-FFF2-40B4-BE49-F238E27FC236}">
-                <a16:creationId xmlns:a16="http://schemas.microsoft.com/office/drawing/2014/main" id="{11EB6B64-B813-BCE1-20E4-FA22CC0970CE}"/>
-              </a:ext>
-            </a:extLst>
-          </p:cNvPr>
-          <p:cNvGrpSpPr/>
-          <p:nvPr/>
-        </p:nvGrpSpPr>
-        <p:grpSpPr>
-          <a:xfrm rot="8663058">
-            <a:off x="6480427" y="993949"/>
-            <a:ext cx="1371600" cy="924434"/>
-            <a:chOff x="6455996" y="2208356"/>
-            <a:chExt cx="1371600" cy="924434"/>
-          </a:xfrm>
-        </p:grpSpPr>
-        <p:sp>
-          <p:nvSpPr>
-            <p:cNvPr id="8" name="Cylinder 7">
-              <a:extLst>
-                <a:ext uri="{FF2B5EF4-FFF2-40B4-BE49-F238E27FC236}">
-                  <a16:creationId xmlns:a16="http://schemas.microsoft.com/office/drawing/2014/main" id="{CB88A57C-79E9-531B-A20E-9C59BCEFD900}"/>
-                </a:ext>
-              </a:extLst>
-            </p:cNvPr>
-            <p:cNvSpPr/>
-            <p:nvPr/>
-          </p:nvSpPr>
-          <p:spPr>
-            <a:xfrm rot="2135957">
-              <a:off x="6455996" y="2208356"/>
-              <a:ext cx="1371600" cy="177282"/>
-            </a:xfrm>
-            <a:prstGeom prst="can">
-              <a:avLst/>
-            </a:prstGeom>
-            <a:ln>
-              <a:solidFill>
-                <a:schemeClr val="tx1"/>
-              </a:solidFill>
-            </a:ln>
-          </p:spPr>
-          <p:style>
-            <a:lnRef idx="2">
-              <a:schemeClr val="accent1">
-                <a:shade val="15000"/>
-              </a:schemeClr>
-            </a:lnRef>
-            <a:fillRef idx="1">
-              <a:schemeClr val="accent1"/>
-            </a:fillRef>
-            <a:effectRef idx="0">
-              <a:schemeClr val="accent1"/>
-            </a:effectRef>
-            <a:fontRef idx="minor">
-              <a:schemeClr val="lt1"/>
-            </a:fontRef>
-          </p:style>
-          <p:txBody>
-            <a:bodyPr rtlCol="0" anchor="ctr"/>
-            <a:lstStyle/>
-            <a:p>
-              <a:pPr algn="ctr"/>
-              <a:endParaRPr lang="en-US"/>
-            </a:p>
-          </p:txBody>
-        </p:sp>
-        <p:sp>
-          <p:nvSpPr>
-            <p:cNvPr id="9" name="Flowchart: Merge 8">
-              <a:extLst>
-                <a:ext uri="{FF2B5EF4-FFF2-40B4-BE49-F238E27FC236}">
-                  <a16:creationId xmlns:a16="http://schemas.microsoft.com/office/drawing/2014/main" id="{DBC4AC24-A71F-EDC4-27DE-464AA691B62E}"/>
-                </a:ext>
-              </a:extLst>
-            </p:cNvPr>
-            <p:cNvSpPr/>
-            <p:nvPr/>
-          </p:nvSpPr>
-          <p:spPr>
-            <a:xfrm rot="2233590">
-              <a:off x="6711716" y="2265043"/>
-              <a:ext cx="186612" cy="867747"/>
-            </a:xfrm>
-            <a:prstGeom prst="flowChartMerge">
-              <a:avLst/>
-            </a:prstGeom>
-            <a:ln>
-              <a:solidFill>
-                <a:schemeClr val="tx1"/>
-              </a:solidFill>
-            </a:ln>
-          </p:spPr>
-          <p:style>
-            <a:lnRef idx="2">
-              <a:schemeClr val="accent1">
-                <a:shade val="15000"/>
-              </a:schemeClr>
-            </a:lnRef>
-            <a:fillRef idx="1">
-              <a:schemeClr val="accent1"/>
-            </a:fillRef>
-            <a:effectRef idx="0">
-              <a:schemeClr val="accent1"/>
-            </a:effectRef>
-            <a:fontRef idx="minor">
-              <a:schemeClr val="lt1"/>
-            </a:fontRef>
-          </p:style>
-          <p:txBody>
-            <a:bodyPr rtlCol="0" anchor="ctr"/>
-            <a:lstStyle/>
-            <a:p>
-              <a:pPr algn="ctr"/>
-              <a:endParaRPr lang="en-US"/>
-            </a:p>
-          </p:txBody>
-        </p:sp>
-      </p:grpSp>
-    </p:spTree>
-    <p:extLst>
-      <p:ext uri="{BB962C8B-B14F-4D97-AF65-F5344CB8AC3E}">
-        <p14:creationId xmlns:p14="http://schemas.microsoft.com/office/powerpoint/2010/main" val="1357439289"/>
       </p:ext>
     </p:extLst>
   </p:cSld>
